--- a/jamine/tech-presentation-jasmine.pptx
+++ b/jamine/tech-presentation-jasmine.pptx
@@ -129,7 +129,7 @@
   </p:defaultTextStyle>
   <p:extLst>
     <p:ext uri="{EFAFB233-063F-42B5-8137-9DF3F51BA10A}">
-      <p15:sldGuideLst xmlns:p15="http://schemas.microsoft.com/office/powerpoint/2012/main" xmlns="">
+      <p15:sldGuideLst xmlns:p15="http://schemas.microsoft.com/office/powerpoint/2012/main">
         <p15:guide id="1" orient="horz" pos="2160">
           <p15:clr>
             <a:srgbClr val="A4A3A4"/>
@@ -228,7 +228,7 @@
           <a:p>
             <a:fld id="{436134EC-835B-48D8-BDB5-96D4A8A8ACE7}" type="datetimeFigureOut">
               <a:rPr lang="en-US" smtClean="0"/>
-              <a:t>11/20/2015</a:t>
+              <a:t>6/20/2016</a:t>
             </a:fld>
             <a:endParaRPr lang="en-US"/>
           </a:p>
@@ -864,7 +864,7 @@
           <a:p>
             <a:fld id="{216C5678-EE20-4FA5-88E2-6E0BD67A2E26}" type="datetime1">
               <a:rPr lang="en-US" smtClean="0"/>
-              <a:t>11/20/2015</a:t>
+              <a:t>6/20/2016</a:t>
             </a:fld>
             <a:endParaRPr lang="en-US" dirty="0"/>
           </a:p>
@@ -1034,7 +1034,7 @@
           <a:p>
             <a:fld id="{EA051B39-B140-43FE-96DB-472A2B59CE7C}" type="datetime1">
               <a:rPr lang="en-US" smtClean="0"/>
-              <a:t>11/20/2015</a:t>
+              <a:t>6/20/2016</a:t>
             </a:fld>
             <a:endParaRPr lang="en-US"/>
           </a:p>
@@ -1214,7 +1214,7 @@
           <a:p>
             <a:fld id="{DA600BB2-27C5-458B-ABCE-839C88CF47CE}" type="datetime1">
               <a:rPr lang="en-US" smtClean="0"/>
-              <a:t>11/20/2015</a:t>
+              <a:t>6/20/2016</a:t>
             </a:fld>
             <a:endParaRPr lang="en-US"/>
           </a:p>
@@ -1402,7 +1402,7 @@
           <a:p>
             <a:fld id="{B11D738E-8962-435F-8C43-147B8DD7E819}" type="datetime1">
               <a:rPr lang="en-US" smtClean="0"/>
-              <a:t>11/20/2015</a:t>
+              <a:t>6/20/2016</a:t>
             </a:fld>
             <a:endParaRPr lang="en-US"/>
           </a:p>
@@ -1669,7 +1669,7 @@
           <a:p>
             <a:fld id="{09CAEA93-55E7-4DA9-90C2-089A26EEFEC4}" type="datetime1">
               <a:rPr lang="en-US" smtClean="0"/>
-              <a:t>11/20/2015</a:t>
+              <a:t>6/20/2016</a:t>
             </a:fld>
             <a:endParaRPr lang="en-US"/>
           </a:p>
@@ -2022,7 +2022,7 @@
           <a:p>
             <a:fld id="{E34CF3C7-6809-4F39-BD67-A75817BDDE0A}" type="datetime1">
               <a:rPr lang="en-US" smtClean="0"/>
-              <a:t>11/20/2015</a:t>
+              <a:t>6/20/2016</a:t>
             </a:fld>
             <a:endParaRPr lang="en-US"/>
           </a:p>
@@ -2335,7 +2335,7 @@
           <a:p>
             <a:fld id="{F7EAEB24-CE78-465C-A726-91D0868FA48F}" type="datetime1">
               <a:rPr lang="en-US" smtClean="0"/>
-              <a:t>11/20/2015</a:t>
+              <a:t>6/20/2016</a:t>
             </a:fld>
             <a:endParaRPr lang="en-US"/>
           </a:p>
@@ -2567,7 +2567,7 @@
           <a:p>
             <a:fld id="{40BAADF0-1749-4E8B-9691-B44A5F8C0895}" type="datetime1">
               <a:rPr lang="en-US" smtClean="0"/>
-              <a:t>11/20/2015</a:t>
+              <a:t>6/20/2016</a:t>
             </a:fld>
             <a:endParaRPr lang="en-US"/>
           </a:p>
@@ -2662,7 +2662,7 @@
           <a:p>
             <a:fld id="{A8AF628A-A867-4937-BBE5-207DB6F9C51A}" type="datetime1">
               <a:rPr lang="en-US" smtClean="0"/>
-              <a:t>11/20/2015</a:t>
+              <a:t>6/20/2016</a:t>
             </a:fld>
             <a:endParaRPr lang="en-US"/>
           </a:p>
@@ -2955,7 +2955,7 @@
           <a:p>
             <a:fld id="{118BBB94-68E6-4675-A946-F1C5994EDBD7}" type="datetime1">
               <a:rPr lang="en-US" smtClean="0"/>
-              <a:t>11/20/2015</a:t>
+              <a:t>6/20/2016</a:t>
             </a:fld>
             <a:endParaRPr lang="en-US"/>
           </a:p>
@@ -3229,7 +3229,7 @@
           <a:p>
             <a:fld id="{DC3B8377-21E3-4835-B75D-4E2847E2750F}" type="datetime1">
               <a:rPr lang="en-US" smtClean="0"/>
-              <a:t>11/20/2015</a:t>
+              <a:t>6/20/2016</a:t>
             </a:fld>
             <a:endParaRPr lang="en-US"/>
           </a:p>
@@ -3444,7 +3444,7 @@
           <a:p>
             <a:fld id="{B0C4986D-6BE9-4264-908F-02DB36FD8D6C}" type="datetime1">
               <a:rPr lang="en-US" smtClean="0"/>
-              <a:t>11/20/2015</a:t>
+              <a:t>6/20/2016</a:t>
             </a:fld>
             <a:endParaRPr lang="en-US" dirty="0"/>
           </a:p>
@@ -3978,83 +3978,114 @@
             <p:ph type="ctrTitle"/>
           </p:nvPr>
         </p:nvSpPr>
+        <p:spPr>
+          <a:xfrm>
+            <a:off x="703555" y="533400"/>
+            <a:ext cx="7772400" cy="2133600"/>
+          </a:xfrm>
+        </p:spPr>
+        <p:txBody>
+          <a:bodyPr/>
+          <a:lstStyle/>
+          <a:p>
+            <a:r>
+              <a:rPr lang="en-US" sz="6000" dirty="0" err="1" smtClean="0"/>
+              <a:t>Javascript</a:t>
+            </a:r>
+            <a:r>
+              <a:rPr lang="en-US" sz="6000" dirty="0" smtClean="0"/>
+              <a:t> Testing with Jasmine</a:t>
+            </a:r>
+            <a:endParaRPr lang="en-US" sz="6000" dirty="0"/>
+          </a:p>
+        </p:txBody>
+      </p:sp>
+      <p:sp>
+        <p:nvSpPr>
+          <p:cNvPr id="3" name="Subtitle 2"/>
+          <p:cNvSpPr>
+            <a:spLocks noGrp="1"/>
+          </p:cNvSpPr>
+          <p:nvPr>
+            <p:ph type="subTitle" idx="1"/>
+          </p:nvPr>
+        </p:nvSpPr>
+        <p:spPr>
+          <a:xfrm>
+            <a:off x="76200" y="3124200"/>
+            <a:ext cx="8839200" cy="3048000"/>
+          </a:xfrm>
+        </p:spPr>
+        <p:txBody>
+          <a:bodyPr>
+            <a:normAutofit/>
+          </a:bodyPr>
+          <a:lstStyle/>
+          <a:p>
+            <a:r>
+              <a:rPr lang="en-US" dirty="0" smtClean="0"/>
+              <a:t>Presenter: Hoanh Tran</a:t>
+            </a:r>
+            <a:br>
+              <a:rPr lang="en-US" dirty="0" smtClean="0"/>
+            </a:br>
+            <a:r>
+              <a:rPr lang="en-US" dirty="0" smtClean="0">
+                <a:hlinkClick r:id="rId2"/>
+              </a:rPr>
+              <a:t>h</a:t>
+            </a:r>
+            <a:r>
+              <a:rPr lang="en-US" dirty="0" smtClean="0">
+                <a:hlinkClick r:id="rId2"/>
+              </a:rPr>
+              <a:t>oanh_tran@yahoo.com</a:t>
+            </a:r>
+            <a:endParaRPr lang="en-US" dirty="0" smtClean="0"/>
+          </a:p>
+          <a:p>
+            <a:endParaRPr lang="en-US" dirty="0" smtClean="0"/>
+          </a:p>
+          <a:p>
+            <a:r>
+              <a:rPr lang="en-US" dirty="0" smtClean="0"/>
+              <a:t>Code Download: </a:t>
+            </a:r>
+          </a:p>
+          <a:p>
+            <a:r>
+              <a:rPr lang="en-US" dirty="0" smtClean="0"/>
+              <a:t>https</a:t>
+            </a:r>
+            <a:r>
+              <a:rPr lang="en-US" dirty="0"/>
+              <a:t>://github.com/h-t-tran/brown/tree/master/jamine</a:t>
+            </a:r>
+            <a:endParaRPr lang="en-US" dirty="0" smtClean="0"/>
+          </a:p>
+          <a:p>
+            <a:endParaRPr lang="en-US" dirty="0"/>
+          </a:p>
+        </p:txBody>
+      </p:sp>
+      <p:sp>
+        <p:nvSpPr>
+          <p:cNvPr id="4" name="Date Placeholder 3"/>
+          <p:cNvSpPr>
+            <a:spLocks noGrp="1"/>
+          </p:cNvSpPr>
+          <p:nvPr>
+            <p:ph type="dt" sz="half" idx="10"/>
+          </p:nvPr>
+        </p:nvSpPr>
         <p:spPr/>
         <p:txBody>
           <a:bodyPr/>
           <a:lstStyle/>
           <a:p>
-            <a:r>
-              <a:rPr lang="en-US" dirty="0" err="1" smtClean="0"/>
-              <a:t>Javascript</a:t>
-            </a:r>
-            <a:r>
-              <a:rPr lang="en-US" dirty="0" smtClean="0"/>
-              <a:t> Testing with Jasmine</a:t>
-            </a:r>
-            <a:endParaRPr lang="en-US" dirty="0"/>
-          </a:p>
-        </p:txBody>
-      </p:sp>
-      <p:sp>
-        <p:nvSpPr>
-          <p:cNvPr id="3" name="Subtitle 2"/>
-          <p:cNvSpPr>
-            <a:spLocks noGrp="1"/>
-          </p:cNvSpPr>
-          <p:nvPr>
-            <p:ph type="subTitle" idx="1"/>
-          </p:nvPr>
-        </p:nvSpPr>
-        <p:spPr/>
-        <p:txBody>
-          <a:bodyPr/>
-          <a:lstStyle/>
-          <a:p>
-            <a:r>
-              <a:rPr lang="en-US" dirty="0" smtClean="0"/>
-              <a:t>Presenter: </a:t>
-            </a:r>
-            <a:r>
-              <a:rPr lang="en-US" dirty="0" err="1" smtClean="0"/>
-              <a:t>Hoanh</a:t>
-            </a:r>
-            <a:r>
-              <a:rPr lang="en-US" dirty="0" smtClean="0"/>
-              <a:t> Tran</a:t>
-            </a:r>
-            <a:r>
-              <a:rPr lang="en-US" smtClean="0"/>
-              <a:t/>
-            </a:r>
-            <a:br>
-              <a:rPr lang="en-US" smtClean="0"/>
-            </a:br>
-            <a:r>
-              <a:rPr lang="en-US" smtClean="0"/>
-              <a:t>11/10/2015</a:t>
-            </a:r>
-            <a:endParaRPr lang="en-US" dirty="0"/>
-          </a:p>
-        </p:txBody>
-      </p:sp>
-      <p:sp>
-        <p:nvSpPr>
-          <p:cNvPr id="4" name="Date Placeholder 3"/>
-          <p:cNvSpPr>
-            <a:spLocks noGrp="1"/>
-          </p:cNvSpPr>
-          <p:nvPr>
-            <p:ph type="dt" sz="half" idx="10"/>
-          </p:nvPr>
-        </p:nvSpPr>
-        <p:spPr/>
-        <p:txBody>
-          <a:bodyPr/>
-          <a:lstStyle/>
-          <a:p>
             <a:fld id="{216C5678-EE20-4FA5-88E2-6E0BD67A2E26}" type="datetime1">
               <a:rPr lang="en-US" smtClean="0"/>
-              <a:t>11/20/2015</a:t>
+              <a:t>6/20/2016</a:t>
             </a:fld>
             <a:endParaRPr lang="en-US" dirty="0"/>
           </a:p>
@@ -4183,7 +4214,7 @@
           <a:p>
             <a:fld id="{216C5678-EE20-4FA5-88E2-6E0BD67A2E26}" type="datetime1">
               <a:rPr lang="en-US" smtClean="0"/>
-              <a:t>11/20/2015</a:t>
+              <a:t>6/20/2016</a:t>
             </a:fld>
             <a:endParaRPr lang="en-US" dirty="0"/>
           </a:p>
@@ -4344,7 +4375,7 @@
           <a:p>
             <a:fld id="{216C5678-EE20-4FA5-88E2-6E0BD67A2E26}" type="datetime1">
               <a:rPr lang="en-US" smtClean="0"/>
-              <a:t>11/20/2015</a:t>
+              <a:t>6/20/2016</a:t>
             </a:fld>
             <a:endParaRPr lang="en-US" dirty="0"/>
           </a:p>
@@ -4452,15 +4483,7 @@
             <a:pPr algn="l"/>
             <a:r>
               <a:rPr lang="en-US" dirty="0" smtClean="0"/>
-              <a:t>     if( “</a:t>
-            </a:r>
-            <a:r>
-              <a:rPr lang="en-US" dirty="0" smtClean="0"/>
-              <a:t>should… </a:t>
-            </a:r>
-            <a:r>
-              <a:rPr lang="en-US" dirty="0" smtClean="0"/>
-              <a:t>“, function(</a:t>
+              <a:t>     if( “should… “, function(</a:t>
             </a:r>
             <a:r>
               <a:rPr lang="en-US" dirty="0" err="1" smtClean="0"/>
@@ -4475,15 +4498,7 @@
             <a:pPr algn="l"/>
             <a:r>
               <a:rPr lang="en-US" dirty="0" smtClean="0"/>
-              <a:t>         </a:t>
-            </a:r>
-            <a:r>
-              <a:rPr lang="en-US" dirty="0" smtClean="0"/>
-              <a:t>            // </a:t>
-            </a:r>
-            <a:r>
-              <a:rPr lang="en-US" dirty="0" smtClean="0"/>
-              <a:t>execute </a:t>
+              <a:t>                     // execute </a:t>
             </a:r>
             <a:r>
               <a:rPr lang="en-US" dirty="0" err="1" smtClean="0"/>
@@ -4502,13 +4517,8 @@
             </a:r>
             <a:r>
               <a:rPr lang="en-US" dirty="0" smtClean="0"/>
-              <a:t>        </a:t>
-            </a:r>
-            <a:r>
-              <a:rPr lang="en-US" dirty="0" smtClean="0"/>
-              <a:t>            done ();</a:t>
-            </a:r>
-            <a:endParaRPr lang="en-US" dirty="0" smtClean="0"/>
+              <a:t>                    done ();</a:t>
+            </a:r>
           </a:p>
           <a:p>
             <a:pPr algn="l"/>
@@ -4692,7 +4702,7 @@
           <a:p>
             <a:fld id="{216C5678-EE20-4FA5-88E2-6E0BD67A2E26}" type="datetime1">
               <a:rPr lang="en-US" smtClean="0"/>
-              <a:t>11/20/2015</a:t>
+              <a:t>6/20/2016</a:t>
             </a:fld>
             <a:endParaRPr lang="en-US" dirty="0"/>
           </a:p>
@@ -4795,11 +4805,7 @@
             </a:r>
             <a:r>
               <a:rPr lang="en-US" b="1" dirty="0" smtClean="0"/>
-              <a:t>ode </a:t>
-            </a:r>
-            <a:r>
-              <a:rPr lang="en-US" b="1" dirty="0" smtClean="0"/>
-              <a:t>demo</a:t>
+              <a:t>ode demo</a:t>
             </a:r>
             <a:endParaRPr lang="en-US" b="1" dirty="0"/>
           </a:p>
@@ -4885,7 +4891,7 @@
           <a:p>
             <a:fld id="{216C5678-EE20-4FA5-88E2-6E0BD67A2E26}" type="datetime1">
               <a:rPr lang="en-US" smtClean="0"/>
-              <a:t>11/20/2015</a:t>
+              <a:t>6/20/2016</a:t>
             </a:fld>
             <a:endParaRPr lang="en-US" dirty="0"/>
           </a:p>
@@ -5265,7 +5271,7 @@
           <a:p>
             <a:fld id="{216C5678-EE20-4FA5-88E2-6E0BD67A2E26}" type="datetime1">
               <a:rPr lang="en-US" smtClean="0"/>
-              <a:t>11/20/2015</a:t>
+              <a:t>6/20/2016</a:t>
             </a:fld>
             <a:endParaRPr lang="en-US" dirty="0"/>
           </a:p>
@@ -5487,7 +5493,7 @@
           <a:p>
             <a:fld id="{216C5678-EE20-4FA5-88E2-6E0BD67A2E26}" type="datetime1">
               <a:rPr lang="en-US" smtClean="0"/>
-              <a:t>11/20/2015</a:t>
+              <a:t>6/20/2016</a:t>
             </a:fld>
             <a:endParaRPr lang="en-US" dirty="0"/>
           </a:p>
@@ -5702,7 +5708,7 @@
           <a:p>
             <a:fld id="{216C5678-EE20-4FA5-88E2-6E0BD67A2E26}" type="datetime1">
               <a:rPr lang="en-US" smtClean="0"/>
-              <a:t>11/20/2015</a:t>
+              <a:t>6/20/2016</a:t>
             </a:fld>
             <a:endParaRPr lang="en-US" dirty="0"/>
           </a:p>
@@ -6016,7 +6022,7 @@
           <a:p>
             <a:fld id="{216C5678-EE20-4FA5-88E2-6E0BD67A2E26}" type="datetime1">
               <a:rPr lang="en-US" smtClean="0"/>
-              <a:t>11/20/2015</a:t>
+              <a:t>6/20/2016</a:t>
             </a:fld>
             <a:endParaRPr lang="en-US" dirty="0"/>
           </a:p>
@@ -6268,7 +6274,7 @@
           <a:p>
             <a:fld id="{216C5678-EE20-4FA5-88E2-6E0BD67A2E26}" type="datetime1">
               <a:rPr lang="en-US" smtClean="0"/>
-              <a:t>11/20/2015</a:t>
+              <a:t>6/20/2016</a:t>
             </a:fld>
             <a:endParaRPr lang="en-US" dirty="0"/>
           </a:p>
@@ -6653,7 +6659,7 @@
           <a:p>
             <a:fld id="{216C5678-EE20-4FA5-88E2-6E0BD67A2E26}" type="datetime1">
               <a:rPr lang="en-US" smtClean="0"/>
-              <a:t>11/20/2015</a:t>
+              <a:t>6/20/2016</a:t>
             </a:fld>
             <a:endParaRPr lang="en-US" dirty="0"/>
           </a:p>
@@ -7037,7 +7043,6 @@
               <a:rPr lang="en-US" sz="3200" dirty="0" smtClean="0"/>
               <a:t>.</a:t>
             </a:r>
-            <a:endParaRPr lang="en-US" sz="3200" dirty="0" smtClean="0"/>
           </a:p>
           <a:p>
             <a:pPr marL="342900" indent="-342900" algn="l">
@@ -7135,7 +7140,7 @@
           <a:p>
             <a:fld id="{216C5678-EE20-4FA5-88E2-6E0BD67A2E26}" type="datetime1">
               <a:rPr lang="en-US" smtClean="0"/>
-              <a:t>11/20/2015</a:t>
+              <a:t>6/20/2016</a:t>
             </a:fld>
             <a:endParaRPr lang="en-US" dirty="0"/>
           </a:p>
@@ -7264,7 +7269,7 @@
           <a:p>
             <a:fld id="{216C5678-EE20-4FA5-88E2-6E0BD67A2E26}" type="datetime1">
               <a:rPr lang="en-US" smtClean="0"/>
-              <a:t>11/20/2015</a:t>
+              <a:t>6/20/2016</a:t>
             </a:fld>
             <a:endParaRPr lang="en-US" dirty="0"/>
           </a:p>
@@ -7629,7 +7634,7 @@
           <a:p>
             <a:fld id="{216C5678-EE20-4FA5-88E2-6E0BD67A2E26}" type="datetime1">
               <a:rPr lang="en-US" smtClean="0"/>
-              <a:t>11/20/2015</a:t>
+              <a:t>6/20/2016</a:t>
             </a:fld>
             <a:endParaRPr lang="en-US" dirty="0"/>
           </a:p>
@@ -7983,7 +7988,7 @@
           <a:p>
             <a:fld id="{216C5678-EE20-4FA5-88E2-6E0BD67A2E26}" type="datetime1">
               <a:rPr lang="en-US" smtClean="0"/>
-              <a:t>11/20/2015</a:t>
+              <a:t>6/20/2016</a:t>
             </a:fld>
             <a:endParaRPr lang="en-US" dirty="0"/>
           </a:p>
@@ -8080,8 +8085,21 @@
             </a:r>
             <a:r>
               <a:rPr lang="en-US" dirty="0" smtClean="0"/>
-              <a:t> as Junit is to Java.</a:t>
-            </a:r>
+              <a:t> as Junit is to </a:t>
+            </a:r>
+            <a:r>
+              <a:rPr lang="en-US" dirty="0" smtClean="0"/>
+              <a:t>Java or </a:t>
+            </a:r>
+            <a:r>
+              <a:rPr lang="en-US" dirty="0" err="1" smtClean="0"/>
+              <a:t>Nunit</a:t>
+            </a:r>
+            <a:r>
+              <a:rPr lang="en-US" dirty="0" smtClean="0"/>
+              <a:t> is to C#.</a:t>
+            </a:r>
+            <a:endParaRPr lang="en-US" dirty="0" smtClean="0"/>
           </a:p>
           <a:p>
             <a:pPr marL="342900" indent="-342900" algn="l">
@@ -8213,7 +8231,7 @@
           <a:p>
             <a:fld id="{216C5678-EE20-4FA5-88E2-6E0BD67A2E26}" type="datetime1">
               <a:rPr lang="en-US" smtClean="0"/>
-              <a:t>11/20/2015</a:t>
+              <a:t>6/20/2016</a:t>
             </a:fld>
             <a:endParaRPr lang="en-US" dirty="0"/>
           </a:p>
@@ -8434,7 +8452,7 @@
           <a:p>
             <a:fld id="{216C5678-EE20-4FA5-88E2-6E0BD67A2E26}" type="datetime1">
               <a:rPr lang="en-US" smtClean="0"/>
-              <a:t>11/20/2015</a:t>
+              <a:t>6/20/2016</a:t>
             </a:fld>
             <a:endParaRPr lang="en-US" dirty="0"/>
           </a:p>
@@ -8723,7 +8741,7 @@
           <a:p>
             <a:fld id="{216C5678-EE20-4FA5-88E2-6E0BD67A2E26}" type="datetime1">
               <a:rPr lang="en-US" smtClean="0"/>
-              <a:t>11/20/2015</a:t>
+              <a:t>6/20/2016</a:t>
             </a:fld>
             <a:endParaRPr lang="en-US" dirty="0"/>
           </a:p>
@@ -9145,7 +9163,7 @@
           <a:p>
             <a:fld id="{216C5678-EE20-4FA5-88E2-6E0BD67A2E26}" type="datetime1">
               <a:rPr lang="en-US" smtClean="0"/>
-              <a:t>11/20/2015</a:t>
+              <a:t>6/20/2016</a:t>
             </a:fld>
             <a:endParaRPr lang="en-US" dirty="0"/>
           </a:p>
@@ -10026,7 +10044,7 @@
           <a:p>
             <a:fld id="{216C5678-EE20-4FA5-88E2-6E0BD67A2E26}" type="datetime1">
               <a:rPr lang="en-US" smtClean="0"/>
-              <a:t>11/20/2015</a:t>
+              <a:t>6/20/2016</a:t>
             </a:fld>
             <a:endParaRPr lang="en-US" dirty="0"/>
           </a:p>
@@ -10429,7 +10447,7 @@
           <a:p>
             <a:fld id="{216C5678-EE20-4FA5-88E2-6E0BD67A2E26}" type="datetime1">
               <a:rPr lang="en-US" smtClean="0"/>
-              <a:t>11/20/2015</a:t>
+              <a:t>6/20/2016</a:t>
             </a:fld>
             <a:endParaRPr lang="en-US" dirty="0"/>
           </a:p>

--- a/jamine/tech-presentation-jasmine.pptx
+++ b/jamine/tech-presentation-jasmine.pptx
@@ -5,7 +5,7 @@
     <p:sldMasterId id="2147483648" r:id="rId1"/>
   </p:sldMasterIdLst>
   <p:notesMasterIdLst>
-    <p:notesMasterId r:id="rId23"/>
+    <p:notesMasterId r:id="rId24"/>
   </p:notesMasterIdLst>
   <p:sldIdLst>
     <p:sldId id="256" r:id="rId2"/>
@@ -26,9 +26,10 @@
     <p:sldId id="264" r:id="rId17"/>
     <p:sldId id="268" r:id="rId18"/>
     <p:sldId id="265" r:id="rId19"/>
-    <p:sldId id="266" r:id="rId20"/>
-    <p:sldId id="276" r:id="rId21"/>
-    <p:sldId id="267" r:id="rId22"/>
+    <p:sldId id="277" r:id="rId20"/>
+    <p:sldId id="266" r:id="rId21"/>
+    <p:sldId id="276" r:id="rId22"/>
+    <p:sldId id="267" r:id="rId23"/>
   </p:sldIdLst>
   <p:sldSz cx="9144000" cy="6858000" type="screen4x3"/>
   <p:notesSz cx="6858000" cy="9144000"/>
@@ -228,7 +229,7 @@
           <a:p>
             <a:fld id="{436134EC-835B-48D8-BDB5-96D4A8A8ACE7}" type="datetimeFigureOut">
               <a:rPr lang="en-US" smtClean="0"/>
-              <a:t>6/20/2016</a:t>
+              <a:t>6/24/2016</a:t>
             </a:fld>
             <a:endParaRPr lang="en-US"/>
           </a:p>
@@ -864,7 +865,7 @@
           <a:p>
             <a:fld id="{216C5678-EE20-4FA5-88E2-6E0BD67A2E26}" type="datetime1">
               <a:rPr lang="en-US" smtClean="0"/>
-              <a:t>6/20/2016</a:t>
+              <a:t>6/24/2016</a:t>
             </a:fld>
             <a:endParaRPr lang="en-US" dirty="0"/>
           </a:p>
@@ -1034,7 +1035,7 @@
           <a:p>
             <a:fld id="{EA051B39-B140-43FE-96DB-472A2B59CE7C}" type="datetime1">
               <a:rPr lang="en-US" smtClean="0"/>
-              <a:t>6/20/2016</a:t>
+              <a:t>6/24/2016</a:t>
             </a:fld>
             <a:endParaRPr lang="en-US"/>
           </a:p>
@@ -1214,7 +1215,7 @@
           <a:p>
             <a:fld id="{DA600BB2-27C5-458B-ABCE-839C88CF47CE}" type="datetime1">
               <a:rPr lang="en-US" smtClean="0"/>
-              <a:t>6/20/2016</a:t>
+              <a:t>6/24/2016</a:t>
             </a:fld>
             <a:endParaRPr lang="en-US"/>
           </a:p>
@@ -1402,7 +1403,7 @@
           <a:p>
             <a:fld id="{B11D738E-8962-435F-8C43-147B8DD7E819}" type="datetime1">
               <a:rPr lang="en-US" smtClean="0"/>
-              <a:t>6/20/2016</a:t>
+              <a:t>6/24/2016</a:t>
             </a:fld>
             <a:endParaRPr lang="en-US"/>
           </a:p>
@@ -1669,7 +1670,7 @@
           <a:p>
             <a:fld id="{09CAEA93-55E7-4DA9-90C2-089A26EEFEC4}" type="datetime1">
               <a:rPr lang="en-US" smtClean="0"/>
-              <a:t>6/20/2016</a:t>
+              <a:t>6/24/2016</a:t>
             </a:fld>
             <a:endParaRPr lang="en-US"/>
           </a:p>
@@ -2022,7 +2023,7 @@
           <a:p>
             <a:fld id="{E34CF3C7-6809-4F39-BD67-A75817BDDE0A}" type="datetime1">
               <a:rPr lang="en-US" smtClean="0"/>
-              <a:t>6/20/2016</a:t>
+              <a:t>6/24/2016</a:t>
             </a:fld>
             <a:endParaRPr lang="en-US"/>
           </a:p>
@@ -2335,7 +2336,7 @@
           <a:p>
             <a:fld id="{F7EAEB24-CE78-465C-A726-91D0868FA48F}" type="datetime1">
               <a:rPr lang="en-US" smtClean="0"/>
-              <a:t>6/20/2016</a:t>
+              <a:t>6/24/2016</a:t>
             </a:fld>
             <a:endParaRPr lang="en-US"/>
           </a:p>
@@ -2567,7 +2568,7 @@
           <a:p>
             <a:fld id="{40BAADF0-1749-4E8B-9691-B44A5F8C0895}" type="datetime1">
               <a:rPr lang="en-US" smtClean="0"/>
-              <a:t>6/20/2016</a:t>
+              <a:t>6/24/2016</a:t>
             </a:fld>
             <a:endParaRPr lang="en-US"/>
           </a:p>
@@ -2662,7 +2663,7 @@
           <a:p>
             <a:fld id="{A8AF628A-A867-4937-BBE5-207DB6F9C51A}" type="datetime1">
               <a:rPr lang="en-US" smtClean="0"/>
-              <a:t>6/20/2016</a:t>
+              <a:t>6/24/2016</a:t>
             </a:fld>
             <a:endParaRPr lang="en-US"/>
           </a:p>
@@ -2955,7 +2956,7 @@
           <a:p>
             <a:fld id="{118BBB94-68E6-4675-A946-F1C5994EDBD7}" type="datetime1">
               <a:rPr lang="en-US" smtClean="0"/>
-              <a:t>6/20/2016</a:t>
+              <a:t>6/24/2016</a:t>
             </a:fld>
             <a:endParaRPr lang="en-US"/>
           </a:p>
@@ -3229,7 +3230,7 @@
           <a:p>
             <a:fld id="{DC3B8377-21E3-4835-B75D-4E2847E2750F}" type="datetime1">
               <a:rPr lang="en-US" smtClean="0"/>
-              <a:t>6/20/2016</a:t>
+              <a:t>6/24/2016</a:t>
             </a:fld>
             <a:endParaRPr lang="en-US"/>
           </a:p>
@@ -3444,7 +3445,7 @@
           <a:p>
             <a:fld id="{B0C4986D-6BE9-4264-908F-02DB36FD8D6C}" type="datetime1">
               <a:rPr lang="en-US" smtClean="0"/>
-              <a:t>6/20/2016</a:t>
+              <a:t>6/24/2016</a:t>
             </a:fld>
             <a:endParaRPr lang="en-US" dirty="0"/>
           </a:p>
@@ -4033,13 +4034,7 @@
               <a:rPr lang="en-US" dirty="0" smtClean="0">
                 <a:hlinkClick r:id="rId2"/>
               </a:rPr>
-              <a:t>h</a:t>
-            </a:r>
-            <a:r>
-              <a:rPr lang="en-US" dirty="0" smtClean="0">
-                <a:hlinkClick r:id="rId2"/>
-              </a:rPr>
-              <a:t>oanh_tran@yahoo.com</a:t>
+              <a:t>hoanh_tran@yahoo.com</a:t>
             </a:r>
             <a:endParaRPr lang="en-US" dirty="0" smtClean="0"/>
           </a:p>
@@ -4055,13 +4050,8 @@
           <a:p>
             <a:r>
               <a:rPr lang="en-US" dirty="0" smtClean="0"/>
-              <a:t>https</a:t>
-            </a:r>
-            <a:r>
-              <a:rPr lang="en-US" dirty="0"/>
-              <a:t>://github.com/h-t-tran/brown/tree/master/jamine</a:t>
-            </a:r>
-            <a:endParaRPr lang="en-US" dirty="0" smtClean="0"/>
+              <a:t>https://github.com/h-t-tran/brown/tree/master/jamine</a:t>
+            </a:r>
           </a:p>
           <a:p>
             <a:endParaRPr lang="en-US" dirty="0"/>
@@ -4085,7 +4075,7 @@
           <a:p>
             <a:fld id="{216C5678-EE20-4FA5-88E2-6E0BD67A2E26}" type="datetime1">
               <a:rPr lang="en-US" smtClean="0"/>
-              <a:t>6/20/2016</a:t>
+              <a:t>6/24/2016</a:t>
             </a:fld>
             <a:endParaRPr lang="en-US" dirty="0"/>
           </a:p>
@@ -4214,7 +4204,7 @@
           <a:p>
             <a:fld id="{216C5678-EE20-4FA5-88E2-6E0BD67A2E26}" type="datetime1">
               <a:rPr lang="en-US" smtClean="0"/>
-              <a:t>6/20/2016</a:t>
+              <a:t>6/24/2016</a:t>
             </a:fld>
             <a:endParaRPr lang="en-US" dirty="0"/>
           </a:p>
@@ -4375,7 +4365,7 @@
           <a:p>
             <a:fld id="{216C5678-EE20-4FA5-88E2-6E0BD67A2E26}" type="datetime1">
               <a:rPr lang="en-US" smtClean="0"/>
-              <a:t>6/20/2016</a:t>
+              <a:t>6/24/2016</a:t>
             </a:fld>
             <a:endParaRPr lang="en-US" dirty="0"/>
           </a:p>
@@ -4702,7 +4692,7 @@
           <a:p>
             <a:fld id="{216C5678-EE20-4FA5-88E2-6E0BD67A2E26}" type="datetime1">
               <a:rPr lang="en-US" smtClean="0"/>
-              <a:t>6/20/2016</a:t>
+              <a:t>6/24/2016</a:t>
             </a:fld>
             <a:endParaRPr lang="en-US" dirty="0"/>
           </a:p>
@@ -4891,7 +4881,7 @@
           <a:p>
             <a:fld id="{216C5678-EE20-4FA5-88E2-6E0BD67A2E26}" type="datetime1">
               <a:rPr lang="en-US" smtClean="0"/>
-              <a:t>6/20/2016</a:t>
+              <a:t>6/24/2016</a:t>
             </a:fld>
             <a:endParaRPr lang="en-US" dirty="0"/>
           </a:p>
@@ -5271,7 +5261,7 @@
           <a:p>
             <a:fld id="{216C5678-EE20-4FA5-88E2-6E0BD67A2E26}" type="datetime1">
               <a:rPr lang="en-US" smtClean="0"/>
-              <a:t>6/20/2016</a:t>
+              <a:t>6/24/2016</a:t>
             </a:fld>
             <a:endParaRPr lang="en-US" dirty="0"/>
           </a:p>
@@ -5493,7 +5483,7 @@
           <a:p>
             <a:fld id="{216C5678-EE20-4FA5-88E2-6E0BD67A2E26}" type="datetime1">
               <a:rPr lang="en-US" smtClean="0"/>
-              <a:t>6/20/2016</a:t>
+              <a:t>6/24/2016</a:t>
             </a:fld>
             <a:endParaRPr lang="en-US" dirty="0"/>
           </a:p>
@@ -5708,7 +5698,7 @@
           <a:p>
             <a:fld id="{216C5678-EE20-4FA5-88E2-6E0BD67A2E26}" type="datetime1">
               <a:rPr lang="en-US" smtClean="0"/>
-              <a:t>6/20/2016</a:t>
+              <a:t>6/24/2016</a:t>
             </a:fld>
             <a:endParaRPr lang="en-US" dirty="0"/>
           </a:p>
@@ -6022,7 +6012,7 @@
           <a:p>
             <a:fld id="{216C5678-EE20-4FA5-88E2-6E0BD67A2E26}" type="datetime1">
               <a:rPr lang="en-US" smtClean="0"/>
-              <a:t>6/20/2016</a:t>
+              <a:t>6/24/2016</a:t>
             </a:fld>
             <a:endParaRPr lang="en-US" dirty="0"/>
           </a:p>
@@ -6274,7 +6264,7 @@
           <a:p>
             <a:fld id="{216C5678-EE20-4FA5-88E2-6E0BD67A2E26}" type="datetime1">
               <a:rPr lang="en-US" smtClean="0"/>
-              <a:t>6/20/2016</a:t>
+              <a:t>6/24/2016</a:t>
             </a:fld>
             <a:endParaRPr lang="en-US" dirty="0"/>
           </a:p>
@@ -6337,8 +6327,8 @@
         </p:nvSpPr>
         <p:spPr>
           <a:xfrm>
-            <a:off x="659164" y="1143000"/>
-            <a:ext cx="7884113" cy="3733800"/>
+            <a:off x="228600" y="914400"/>
+            <a:ext cx="8610600" cy="5441950"/>
           </a:xfrm>
           <a:prstGeom prst="rect">
             <a:avLst/>
@@ -6526,8 +6516,16 @@
             </a:r>
             <a:r>
               <a:rPr lang="en-US" dirty="0" smtClean="0"/>
-              <a:t> by Angular team.</a:t>
-            </a:r>
+              <a:t> by Angular team</a:t>
+            </a:r>
+            <a:r>
+              <a:rPr lang="en-US" dirty="0" smtClean="0"/>
+              <a:t>.</a:t>
+            </a:r>
+          </a:p>
+          <a:p>
+            <a:pPr algn="l"/>
+            <a:endParaRPr lang="en-US" dirty="0" smtClean="0"/>
           </a:p>
           <a:p>
             <a:pPr marL="342900" indent="-342900" algn="l">
@@ -6556,8 +6554,16 @@
             </a:r>
             <a:r>
               <a:rPr lang="en-US" dirty="0" smtClean="0"/>
-              <a:t>code and execute unit tests very fast.</a:t>
-            </a:r>
+              <a:t>code and execute unit tests very fast</a:t>
+            </a:r>
+            <a:r>
+              <a:rPr lang="en-US" dirty="0" smtClean="0"/>
+              <a:t>.</a:t>
+            </a:r>
+          </a:p>
+          <a:p>
+            <a:pPr algn="l"/>
+            <a:endParaRPr lang="en-US" dirty="0" smtClean="0"/>
           </a:p>
           <a:p>
             <a:pPr marL="342900" indent="-342900" algn="l">
@@ -6573,7 +6579,7 @@
               <a:t>unit tests</a:t>
             </a:r>
             <a:r>
-              <a:rPr lang="en-US" dirty="0"/>
+              <a:rPr lang="en-US" dirty="0" smtClean="0"/>
               <a:t>.</a:t>
             </a:r>
           </a:p>
@@ -6636,7 +6642,7 @@
             <a:pPr algn="l"/>
             <a:r>
               <a:rPr lang="en-US" sz="4000" dirty="0" smtClean="0"/>
-              <a:t>Karma Configuration</a:t>
+              <a:t>Karma Installation</a:t>
             </a:r>
             <a:endParaRPr lang="en-US" sz="4000" dirty="0"/>
           </a:p>
@@ -6659,7 +6665,7 @@
           <a:p>
             <a:fld id="{216C5678-EE20-4FA5-88E2-6E0BD67A2E26}" type="datetime1">
               <a:rPr lang="en-US" smtClean="0"/>
-              <a:t>6/20/2016</a:t>
+              <a:t>6/24/2016</a:t>
             </a:fld>
             <a:endParaRPr lang="en-US" dirty="0"/>
           </a:p>
@@ -6684,6 +6690,720 @@
               <a:rPr lang="en-US" smtClean="0"/>
               <a:pPr/>
               <a:t>19</a:t>
+            </a:fld>
+            <a:endParaRPr lang="en-US" dirty="0"/>
+          </a:p>
+        </p:txBody>
+      </p:sp>
+      <p:sp>
+        <p:nvSpPr>
+          <p:cNvPr id="6" name="Footer Placeholder 5"/>
+          <p:cNvSpPr>
+            <a:spLocks noGrp="1"/>
+          </p:cNvSpPr>
+          <p:nvPr>
+            <p:ph type="ftr" sz="quarter" idx="12"/>
+          </p:nvPr>
+        </p:nvSpPr>
+        <p:spPr/>
+        <p:txBody>
+          <a:bodyPr/>
+          <a:lstStyle/>
+          <a:p>
+            <a:r>
+              <a:rPr lang="en-US" smtClean="0"/>
+              <a:t>Footer Text</a:t>
+            </a:r>
+            <a:endParaRPr lang="en-US" dirty="0"/>
+          </a:p>
+        </p:txBody>
+      </p:sp>
+      <p:sp>
+        <p:nvSpPr>
+          <p:cNvPr id="7" name="Subtitle 2"/>
+          <p:cNvSpPr txBox="1">
+            <a:spLocks/>
+          </p:cNvSpPr>
+          <p:nvPr/>
+        </p:nvSpPr>
+        <p:spPr>
+          <a:xfrm>
+            <a:off x="228600" y="914400"/>
+            <a:ext cx="8610600" cy="5441950"/>
+          </a:xfrm>
+          <a:prstGeom prst="rect">
+            <a:avLst/>
+          </a:prstGeom>
+        </p:spPr>
+        <p:txBody>
+          <a:bodyPr vert="horz" lIns="91440" tIns="45720" rIns="91440" bIns="45720" rtlCol="0">
+            <a:normAutofit/>
+          </a:bodyPr>
+          <a:lstStyle>
+            <a:lvl1pPr marL="0" indent="0" algn="ctr" defTabSz="914400" rtl="0" eaLnBrk="1" latinLnBrk="0" hangingPunct="1">
+              <a:spcBef>
+                <a:spcPct val="20000"/>
+              </a:spcBef>
+              <a:buFont typeface="Arial" pitchFamily="34" charset="0"/>
+              <a:buNone/>
+              <a:defRPr sz="2400" kern="1200">
+                <a:solidFill>
+                  <a:schemeClr val="tx1">
+                    <a:tint val="75000"/>
+                  </a:schemeClr>
+                </a:solidFill>
+                <a:latin typeface="+mj-lt"/>
+                <a:ea typeface="+mn-ea"/>
+                <a:cs typeface="+mn-cs"/>
+              </a:defRPr>
+            </a:lvl1pPr>
+            <a:lvl2pPr marL="457200" indent="0" algn="ctr" defTabSz="914400" rtl="0" eaLnBrk="1" latinLnBrk="0" hangingPunct="1">
+              <a:spcBef>
+                <a:spcPct val="20000"/>
+              </a:spcBef>
+              <a:buFont typeface="Courier New" pitchFamily="49" charset="0"/>
+              <a:buNone/>
+              <a:defRPr sz="1600" kern="1200">
+                <a:solidFill>
+                  <a:schemeClr val="tx1">
+                    <a:tint val="75000"/>
+                  </a:schemeClr>
+                </a:solidFill>
+                <a:latin typeface="+mj-lt"/>
+                <a:ea typeface="+mn-ea"/>
+                <a:cs typeface="+mn-cs"/>
+              </a:defRPr>
+            </a:lvl2pPr>
+            <a:lvl3pPr marL="914400" indent="0" algn="ctr" defTabSz="914400" rtl="0" eaLnBrk="1" latinLnBrk="0" hangingPunct="1">
+              <a:spcBef>
+                <a:spcPct val="20000"/>
+              </a:spcBef>
+              <a:buFont typeface="Arial" pitchFamily="34" charset="0"/>
+              <a:buNone/>
+              <a:defRPr sz="1600" kern="1200">
+                <a:solidFill>
+                  <a:schemeClr val="tx1">
+                    <a:tint val="75000"/>
+                  </a:schemeClr>
+                </a:solidFill>
+                <a:latin typeface="+mj-lt"/>
+                <a:ea typeface="+mn-ea"/>
+                <a:cs typeface="+mn-cs"/>
+              </a:defRPr>
+            </a:lvl3pPr>
+            <a:lvl4pPr marL="1371600" indent="0" algn="ctr" defTabSz="914400" rtl="0" eaLnBrk="1" latinLnBrk="0" hangingPunct="1">
+              <a:spcBef>
+                <a:spcPct val="20000"/>
+              </a:spcBef>
+              <a:buFont typeface="Courier New" pitchFamily="49" charset="0"/>
+              <a:buNone/>
+              <a:defRPr sz="1600" kern="1200">
+                <a:solidFill>
+                  <a:schemeClr val="tx1">
+                    <a:tint val="75000"/>
+                  </a:schemeClr>
+                </a:solidFill>
+                <a:latin typeface="+mj-lt"/>
+                <a:ea typeface="+mn-ea"/>
+                <a:cs typeface="+mn-cs"/>
+              </a:defRPr>
+            </a:lvl4pPr>
+            <a:lvl5pPr marL="1828800" indent="0" algn="ctr" defTabSz="914400" rtl="0" eaLnBrk="1" latinLnBrk="0" hangingPunct="1">
+              <a:spcBef>
+                <a:spcPct val="20000"/>
+              </a:spcBef>
+              <a:buFont typeface="Arial" pitchFamily="34" charset="0"/>
+              <a:buNone/>
+              <a:defRPr sz="1600" kern="1200">
+                <a:solidFill>
+                  <a:schemeClr val="tx1">
+                    <a:tint val="75000"/>
+                  </a:schemeClr>
+                </a:solidFill>
+                <a:latin typeface="+mj-lt"/>
+                <a:ea typeface="+mn-ea"/>
+                <a:cs typeface="+mn-cs"/>
+              </a:defRPr>
+            </a:lvl5pPr>
+            <a:lvl6pPr marL="2286000" indent="0" algn="ctr" defTabSz="914400" rtl="0" eaLnBrk="1" latinLnBrk="0" hangingPunct="1">
+              <a:spcBef>
+                <a:spcPct val="20000"/>
+              </a:spcBef>
+              <a:buFont typeface="Courier New" pitchFamily="49" charset="0"/>
+              <a:buNone/>
+              <a:defRPr sz="1600" kern="1200">
+                <a:solidFill>
+                  <a:schemeClr val="tx1">
+                    <a:tint val="75000"/>
+                  </a:schemeClr>
+                </a:solidFill>
+                <a:latin typeface="+mj-lt"/>
+                <a:ea typeface="+mn-ea"/>
+                <a:cs typeface="+mn-cs"/>
+              </a:defRPr>
+            </a:lvl6pPr>
+            <a:lvl7pPr marL="2743200" indent="0" algn="ctr" defTabSz="914400" rtl="0" eaLnBrk="1" latinLnBrk="0" hangingPunct="1">
+              <a:spcBef>
+                <a:spcPct val="20000"/>
+              </a:spcBef>
+              <a:buFont typeface="Arial" pitchFamily="34" charset="0"/>
+              <a:buNone/>
+              <a:defRPr sz="1600" kern="1200">
+                <a:solidFill>
+                  <a:schemeClr val="tx1">
+                    <a:tint val="75000"/>
+                  </a:schemeClr>
+                </a:solidFill>
+                <a:latin typeface="+mj-lt"/>
+                <a:ea typeface="+mn-ea"/>
+                <a:cs typeface="+mn-cs"/>
+              </a:defRPr>
+            </a:lvl7pPr>
+            <a:lvl8pPr marL="3200400" indent="0" algn="ctr" defTabSz="914400" rtl="0" eaLnBrk="1" latinLnBrk="0" hangingPunct="1">
+              <a:spcBef>
+                <a:spcPct val="20000"/>
+              </a:spcBef>
+              <a:buFont typeface="Courier New" pitchFamily="49" charset="0"/>
+              <a:buNone/>
+              <a:defRPr sz="1600" kern="1200">
+                <a:solidFill>
+                  <a:schemeClr val="tx1">
+                    <a:tint val="75000"/>
+                  </a:schemeClr>
+                </a:solidFill>
+                <a:latin typeface="+mj-lt"/>
+                <a:ea typeface="+mn-ea"/>
+                <a:cs typeface="+mn-cs"/>
+              </a:defRPr>
+            </a:lvl8pPr>
+            <a:lvl9pPr marL="3657600" indent="0" algn="ctr" defTabSz="914400" rtl="0" eaLnBrk="1" latinLnBrk="0" hangingPunct="1">
+              <a:spcBef>
+                <a:spcPct val="20000"/>
+              </a:spcBef>
+              <a:buFont typeface="Arial" pitchFamily="34" charset="0"/>
+              <a:buNone/>
+              <a:defRPr sz="1600" kern="1200">
+                <a:solidFill>
+                  <a:schemeClr val="tx1">
+                    <a:tint val="75000"/>
+                  </a:schemeClr>
+                </a:solidFill>
+                <a:latin typeface="+mj-lt"/>
+                <a:ea typeface="+mn-ea"/>
+                <a:cs typeface="+mn-cs"/>
+              </a:defRPr>
+            </a:lvl9pPr>
+          </a:lstStyle>
+          <a:p>
+            <a:pPr algn="l"/>
+            <a:r>
+              <a:rPr lang="en-US" dirty="0" smtClean="0"/>
+              <a:t>1</a:t>
+            </a:r>
+            <a:r>
+              <a:rPr lang="en-US" baseline="30000" dirty="0" smtClean="0"/>
+              <a:t>st</a:t>
+            </a:r>
+            <a:r>
+              <a:rPr lang="en-US" dirty="0"/>
+              <a:t>. Install </a:t>
+            </a:r>
+            <a:r>
+              <a:rPr lang="en-US" dirty="0" err="1"/>
+              <a:t>NodeJS</a:t>
+            </a:r>
+            <a:r>
+              <a:rPr lang="en-US" dirty="0"/>
+              <a:t> (</a:t>
+            </a:r>
+            <a:r>
+              <a:rPr lang="en-US" dirty="0" err="1"/>
+              <a:t>eg</a:t>
+            </a:r>
+            <a:r>
+              <a:rPr lang="en-US" dirty="0"/>
+              <a:t>. C:\nodejs</a:t>
+            </a:r>
+            <a:r>
+              <a:rPr lang="en-US" dirty="0" smtClean="0"/>
+              <a:t>)</a:t>
+            </a:r>
+          </a:p>
+          <a:p>
+            <a:pPr algn="l"/>
+            <a:endParaRPr lang="en-US" dirty="0"/>
+          </a:p>
+          <a:p>
+            <a:pPr algn="l"/>
+            <a:r>
+              <a:rPr lang="en-US" dirty="0"/>
+              <a:t>2</a:t>
+            </a:r>
+            <a:r>
+              <a:rPr lang="en-US" baseline="30000" dirty="0"/>
+              <a:t>nd</a:t>
+            </a:r>
+            <a:r>
+              <a:rPr lang="en-US" dirty="0"/>
+              <a:t>. In C:\nodejs, type </a:t>
+            </a:r>
+            <a:r>
+              <a:rPr lang="en-US" dirty="0" smtClean="0"/>
+              <a:t>“</a:t>
+            </a:r>
+            <a:r>
+              <a:rPr lang="en-US" dirty="0" err="1"/>
+              <a:t>npm</a:t>
+            </a:r>
+            <a:r>
+              <a:rPr lang="en-US" dirty="0"/>
+              <a:t> install karma --save-dev</a:t>
+            </a:r>
+            <a:r>
+              <a:rPr lang="en-US" dirty="0" smtClean="0"/>
+              <a:t>”</a:t>
+            </a:r>
+          </a:p>
+          <a:p>
+            <a:pPr algn="l"/>
+            <a:endParaRPr lang="en-US" dirty="0"/>
+          </a:p>
+          <a:p>
+            <a:pPr algn="l"/>
+            <a:r>
+              <a:rPr lang="en-US" dirty="0"/>
+              <a:t>3</a:t>
+            </a:r>
+            <a:r>
+              <a:rPr lang="en-US" baseline="30000" dirty="0"/>
+              <a:t>rd</a:t>
+            </a:r>
+            <a:r>
+              <a:rPr lang="en-US" dirty="0"/>
+              <a:t>. In C:\nodejs, type </a:t>
+            </a:r>
+          </a:p>
+          <a:p>
+            <a:pPr algn="l"/>
+            <a:r>
+              <a:rPr lang="en-US" dirty="0"/>
+              <a:t>              “</a:t>
+            </a:r>
+            <a:r>
+              <a:rPr lang="en-US" dirty="0" err="1"/>
+              <a:t>npm</a:t>
+            </a:r>
+            <a:r>
+              <a:rPr lang="en-US" dirty="0"/>
+              <a:t> install karma-chrome-launcher --save-dev</a:t>
+            </a:r>
+          </a:p>
+          <a:p>
+            <a:pPr algn="l"/>
+            <a:endParaRPr lang="en-US" dirty="0"/>
+          </a:p>
+          <a:p>
+            <a:pPr algn="l"/>
+            <a:r>
+              <a:rPr lang="en-US" dirty="0"/>
+              <a:t>4</a:t>
+            </a:r>
+            <a:r>
+              <a:rPr lang="en-US" baseline="30000" dirty="0"/>
+              <a:t>th</a:t>
+            </a:r>
+            <a:r>
+              <a:rPr lang="en-US" dirty="0"/>
+              <a:t>. In C:\nodejs, type </a:t>
+            </a:r>
+          </a:p>
+          <a:p>
+            <a:pPr algn="l"/>
+            <a:r>
+              <a:rPr lang="en-US" dirty="0"/>
+              <a:t>              “</a:t>
+            </a:r>
+            <a:r>
+              <a:rPr lang="en-US" dirty="0" err="1"/>
+              <a:t>npm</a:t>
+            </a:r>
+            <a:r>
+              <a:rPr lang="en-US" dirty="0"/>
+              <a:t> install karma-</a:t>
+            </a:r>
+            <a:r>
+              <a:rPr lang="en-US" dirty="0" err="1"/>
+              <a:t>firefox</a:t>
+            </a:r>
+            <a:r>
+              <a:rPr lang="en-US" dirty="0"/>
+              <a:t>-launcher --save-dev</a:t>
+            </a:r>
+          </a:p>
+          <a:p>
+            <a:pPr algn="l"/>
+            <a:endParaRPr lang="en-US" dirty="0"/>
+          </a:p>
+        </p:txBody>
+      </p:sp>
+    </p:spTree>
+    <p:extLst>
+      <p:ext uri="{BB962C8B-B14F-4D97-AF65-F5344CB8AC3E}">
+        <p14:creationId xmlns:p14="http://schemas.microsoft.com/office/powerpoint/2010/main" val="745370690"/>
+      </p:ext>
+    </p:extLst>
+  </p:cSld>
+  <p:clrMapOvr>
+    <a:masterClrMapping/>
+  </p:clrMapOvr>
+</p:sld>
+</file>
+
+<file path=ppt/slides/slide2.xml><?xml version="1.0" encoding="utf-8"?>
+<p:sld xmlns:a="http://schemas.openxmlformats.org/drawingml/2006/main" xmlns:r="http://schemas.openxmlformats.org/officeDocument/2006/relationships" xmlns:p="http://schemas.openxmlformats.org/presentationml/2006/main">
+  <p:cSld>
+    <p:spTree>
+      <p:nvGrpSpPr>
+        <p:cNvPr id="1" name=""/>
+        <p:cNvGrpSpPr/>
+        <p:nvPr/>
+      </p:nvGrpSpPr>
+      <p:grpSpPr>
+        <a:xfrm>
+          <a:off x="0" y="0"/>
+          <a:ext cx="0" cy="0"/>
+          <a:chOff x="0" y="0"/>
+          <a:chExt cx="0" cy="0"/>
+        </a:xfrm>
+      </p:grpSpPr>
+      <p:sp>
+        <p:nvSpPr>
+          <p:cNvPr id="2" name="Title 1"/>
+          <p:cNvSpPr>
+            <a:spLocks noGrp="1"/>
+          </p:cNvSpPr>
+          <p:nvPr>
+            <p:ph type="ctrTitle"/>
+          </p:nvPr>
+        </p:nvSpPr>
+        <p:spPr>
+          <a:xfrm>
+            <a:off x="685800" y="228600"/>
+            <a:ext cx="7772400" cy="685800"/>
+          </a:xfrm>
+        </p:spPr>
+        <p:txBody>
+          <a:bodyPr/>
+          <a:lstStyle/>
+          <a:p>
+            <a:pPr algn="l"/>
+            <a:r>
+              <a:rPr lang="en-US" sz="4000" dirty="0" smtClean="0"/>
+              <a:t>Agenda</a:t>
+            </a:r>
+            <a:endParaRPr lang="en-US" sz="4000" dirty="0"/>
+          </a:p>
+        </p:txBody>
+      </p:sp>
+      <p:sp>
+        <p:nvSpPr>
+          <p:cNvPr id="3" name="Subtitle 2"/>
+          <p:cNvSpPr>
+            <a:spLocks noGrp="1"/>
+          </p:cNvSpPr>
+          <p:nvPr>
+            <p:ph type="subTitle" idx="1"/>
+          </p:nvPr>
+        </p:nvSpPr>
+        <p:spPr>
+          <a:xfrm>
+            <a:off x="762000" y="1219200"/>
+            <a:ext cx="7315200" cy="4343400"/>
+          </a:xfrm>
+        </p:spPr>
+        <p:txBody>
+          <a:bodyPr>
+            <a:noAutofit/>
+          </a:bodyPr>
+          <a:lstStyle/>
+          <a:p>
+            <a:pPr marL="342900" indent="-342900" algn="l">
+              <a:buFont typeface="Arial" panose="020B0604020202020204" pitchFamily="34" charset="0"/>
+              <a:buChar char="•"/>
+            </a:pPr>
+            <a:r>
+              <a:rPr lang="en-US" sz="3200" dirty="0" smtClean="0"/>
+              <a:t>What is Jasmine?</a:t>
+            </a:r>
+          </a:p>
+          <a:p>
+            <a:pPr marL="342900" indent="-342900" algn="l">
+              <a:buFont typeface="Arial" panose="020B0604020202020204" pitchFamily="34" charset="0"/>
+              <a:buChar char="•"/>
+            </a:pPr>
+            <a:r>
+              <a:rPr lang="en-US" sz="3200" dirty="0" smtClean="0"/>
+              <a:t>Testing of </a:t>
+            </a:r>
+            <a:r>
+              <a:rPr lang="en-US" sz="3200" dirty="0" err="1" smtClean="0"/>
+              <a:t>Javascript</a:t>
+            </a:r>
+            <a:r>
+              <a:rPr lang="en-US" sz="3200" dirty="0" smtClean="0"/>
+              <a:t>.</a:t>
+            </a:r>
+          </a:p>
+          <a:p>
+            <a:pPr marL="342900" indent="-342900" algn="l">
+              <a:buFont typeface="Arial" panose="020B0604020202020204" pitchFamily="34" charset="0"/>
+              <a:buChar char="•"/>
+            </a:pPr>
+            <a:r>
+              <a:rPr lang="en-US" sz="3200" dirty="0" smtClean="0"/>
+              <a:t>Testing of </a:t>
+            </a:r>
+            <a:r>
+              <a:rPr lang="en-US" sz="3200" dirty="0" err="1"/>
+              <a:t>a</a:t>
+            </a:r>
+            <a:r>
+              <a:rPr lang="en-US" sz="3200" dirty="0" err="1" smtClean="0"/>
+              <a:t>sync</a:t>
+            </a:r>
+            <a:r>
+              <a:rPr lang="en-US" sz="3200" dirty="0" smtClean="0"/>
+              <a:t> </a:t>
+            </a:r>
+            <a:r>
+              <a:rPr lang="en-US" sz="3200" dirty="0" err="1" smtClean="0"/>
+              <a:t>Javascript</a:t>
+            </a:r>
+            <a:r>
+              <a:rPr lang="en-US" sz="3200" dirty="0" smtClean="0"/>
+              <a:t> code</a:t>
+            </a:r>
+          </a:p>
+          <a:p>
+            <a:pPr marL="342900" indent="-342900" algn="l">
+              <a:buFont typeface="Arial" panose="020B0604020202020204" pitchFamily="34" charset="0"/>
+              <a:buChar char="•"/>
+            </a:pPr>
+            <a:r>
+              <a:rPr lang="en-US" sz="3200" dirty="0" smtClean="0"/>
+              <a:t>Testing of ajax </a:t>
+            </a:r>
+            <a:r>
+              <a:rPr lang="en-US" sz="3200" dirty="0" err="1" smtClean="0"/>
+              <a:t>Javascript</a:t>
+            </a:r>
+            <a:r>
+              <a:rPr lang="en-US" sz="3200" dirty="0" smtClean="0"/>
+              <a:t> code.</a:t>
+            </a:r>
+          </a:p>
+          <a:p>
+            <a:pPr marL="342900" indent="-342900" algn="l">
+              <a:buFont typeface="Arial" panose="020B0604020202020204" pitchFamily="34" charset="0"/>
+              <a:buChar char="•"/>
+            </a:pPr>
+            <a:r>
+              <a:rPr lang="en-US" sz="3200" dirty="0" smtClean="0"/>
+              <a:t>Testing of UI </a:t>
+            </a:r>
+            <a:r>
+              <a:rPr lang="en-US" sz="3200" dirty="0" err="1" smtClean="0"/>
+              <a:t>Javascript</a:t>
+            </a:r>
+            <a:r>
+              <a:rPr lang="en-US" sz="3200" dirty="0" smtClean="0"/>
+              <a:t> code.</a:t>
+            </a:r>
+          </a:p>
+          <a:p>
+            <a:pPr marL="342900" indent="-342900" algn="l">
+              <a:buFont typeface="Arial" panose="020B0604020202020204" pitchFamily="34" charset="0"/>
+              <a:buChar char="•"/>
+            </a:pPr>
+            <a:r>
+              <a:rPr lang="en-US" sz="3200" dirty="0" smtClean="0"/>
+              <a:t>Karma test runner.</a:t>
+            </a:r>
+            <a:endParaRPr lang="en-US" sz="3200" dirty="0"/>
+          </a:p>
+        </p:txBody>
+      </p:sp>
+      <p:sp>
+        <p:nvSpPr>
+          <p:cNvPr id="4" name="Date Placeholder 3"/>
+          <p:cNvSpPr>
+            <a:spLocks noGrp="1"/>
+          </p:cNvSpPr>
+          <p:nvPr>
+            <p:ph type="dt" sz="half" idx="10"/>
+          </p:nvPr>
+        </p:nvSpPr>
+        <p:spPr/>
+        <p:txBody>
+          <a:bodyPr/>
+          <a:lstStyle/>
+          <a:p>
+            <a:fld id="{216C5678-EE20-4FA5-88E2-6E0BD67A2E26}" type="datetime1">
+              <a:rPr lang="en-US" smtClean="0"/>
+              <a:t>6/24/2016</a:t>
+            </a:fld>
+            <a:endParaRPr lang="en-US" dirty="0"/>
+          </a:p>
+        </p:txBody>
+      </p:sp>
+      <p:sp>
+        <p:nvSpPr>
+          <p:cNvPr id="5" name="Slide Number Placeholder 4"/>
+          <p:cNvSpPr>
+            <a:spLocks noGrp="1"/>
+          </p:cNvSpPr>
+          <p:nvPr>
+            <p:ph type="sldNum" sz="quarter" idx="11"/>
+          </p:nvPr>
+        </p:nvSpPr>
+        <p:spPr/>
+        <p:txBody>
+          <a:bodyPr/>
+          <a:lstStyle/>
+          <a:p>
+            <a:fld id="{BA9B540C-44DA-4F69-89C9-7C84606640D3}" type="slidenum">
+              <a:rPr lang="en-US" smtClean="0"/>
+              <a:pPr/>
+              <a:t>2</a:t>
+            </a:fld>
+            <a:endParaRPr lang="en-US" dirty="0"/>
+          </a:p>
+        </p:txBody>
+      </p:sp>
+      <p:sp>
+        <p:nvSpPr>
+          <p:cNvPr id="6" name="Footer Placeholder 5"/>
+          <p:cNvSpPr>
+            <a:spLocks noGrp="1"/>
+          </p:cNvSpPr>
+          <p:nvPr>
+            <p:ph type="ftr" sz="quarter" idx="12"/>
+          </p:nvPr>
+        </p:nvSpPr>
+        <p:spPr/>
+        <p:txBody>
+          <a:bodyPr/>
+          <a:lstStyle/>
+          <a:p>
+            <a:r>
+              <a:rPr lang="en-US" smtClean="0"/>
+              <a:t>Footer Text</a:t>
+            </a:r>
+            <a:endParaRPr lang="en-US" dirty="0"/>
+          </a:p>
+        </p:txBody>
+      </p:sp>
+    </p:spTree>
+    <p:extLst>
+      <p:ext uri="{BB962C8B-B14F-4D97-AF65-F5344CB8AC3E}">
+        <p14:creationId xmlns:p14="http://schemas.microsoft.com/office/powerpoint/2010/main" val="1112403685"/>
+      </p:ext>
+    </p:extLst>
+  </p:cSld>
+  <p:clrMapOvr>
+    <a:masterClrMapping/>
+  </p:clrMapOvr>
+</p:sld>
+</file>
+
+<file path=ppt/slides/slide20.xml><?xml version="1.0" encoding="utf-8"?>
+<p:sld xmlns:a="http://schemas.openxmlformats.org/drawingml/2006/main" xmlns:r="http://schemas.openxmlformats.org/officeDocument/2006/relationships" xmlns:p="http://schemas.openxmlformats.org/presentationml/2006/main">
+  <p:cSld>
+    <p:spTree>
+      <p:nvGrpSpPr>
+        <p:cNvPr id="1" name=""/>
+        <p:cNvGrpSpPr/>
+        <p:nvPr/>
+      </p:nvGrpSpPr>
+      <p:grpSpPr>
+        <a:xfrm>
+          <a:off x="0" y="0"/>
+          <a:ext cx="0" cy="0"/>
+          <a:chOff x="0" y="0"/>
+          <a:chExt cx="0" cy="0"/>
+        </a:xfrm>
+      </p:grpSpPr>
+      <p:sp>
+        <p:nvSpPr>
+          <p:cNvPr id="2" name="Title 1"/>
+          <p:cNvSpPr>
+            <a:spLocks noGrp="1"/>
+          </p:cNvSpPr>
+          <p:nvPr>
+            <p:ph type="ctrTitle"/>
+          </p:nvPr>
+        </p:nvSpPr>
+        <p:spPr>
+          <a:xfrm>
+            <a:off x="685800" y="228600"/>
+            <a:ext cx="8458200" cy="685800"/>
+          </a:xfrm>
+        </p:spPr>
+        <p:txBody>
+          <a:bodyPr/>
+          <a:lstStyle/>
+          <a:p>
+            <a:pPr algn="l"/>
+            <a:r>
+              <a:rPr lang="en-US" sz="4000" dirty="0" smtClean="0"/>
+              <a:t>Karma Configuration</a:t>
+            </a:r>
+            <a:endParaRPr lang="en-US" sz="4000" dirty="0"/>
+          </a:p>
+        </p:txBody>
+      </p:sp>
+      <p:sp>
+        <p:nvSpPr>
+          <p:cNvPr id="4" name="Date Placeholder 3"/>
+          <p:cNvSpPr>
+            <a:spLocks noGrp="1"/>
+          </p:cNvSpPr>
+          <p:nvPr>
+            <p:ph type="dt" sz="half" idx="10"/>
+          </p:nvPr>
+        </p:nvSpPr>
+        <p:spPr/>
+        <p:txBody>
+          <a:bodyPr/>
+          <a:lstStyle/>
+          <a:p>
+            <a:fld id="{216C5678-EE20-4FA5-88E2-6E0BD67A2E26}" type="datetime1">
+              <a:rPr lang="en-US" smtClean="0"/>
+              <a:t>6/24/2016</a:t>
+            </a:fld>
+            <a:endParaRPr lang="en-US" dirty="0"/>
+          </a:p>
+        </p:txBody>
+      </p:sp>
+      <p:sp>
+        <p:nvSpPr>
+          <p:cNvPr id="5" name="Slide Number Placeholder 4"/>
+          <p:cNvSpPr>
+            <a:spLocks noGrp="1"/>
+          </p:cNvSpPr>
+          <p:nvPr>
+            <p:ph type="sldNum" sz="quarter" idx="11"/>
+          </p:nvPr>
+        </p:nvSpPr>
+        <p:spPr/>
+        <p:txBody>
+          <a:bodyPr/>
+          <a:lstStyle/>
+          <a:p>
+            <a:fld id="{BA9B540C-44DA-4F69-89C9-7C84606640D3}" type="slidenum">
+              <a:rPr lang="en-US" smtClean="0"/>
+              <a:pPr/>
+              <a:t>20</a:t>
             </a:fld>
             <a:endParaRPr lang="en-US" dirty="0"/>
           </a:p>
@@ -6949,628 +7669,6 @@
 </p:sld>
 </file>
 
-<file path=ppt/slides/slide2.xml><?xml version="1.0" encoding="utf-8"?>
-<p:sld xmlns:a="http://schemas.openxmlformats.org/drawingml/2006/main" xmlns:r="http://schemas.openxmlformats.org/officeDocument/2006/relationships" xmlns:p="http://schemas.openxmlformats.org/presentationml/2006/main">
-  <p:cSld>
-    <p:spTree>
-      <p:nvGrpSpPr>
-        <p:cNvPr id="1" name=""/>
-        <p:cNvGrpSpPr/>
-        <p:nvPr/>
-      </p:nvGrpSpPr>
-      <p:grpSpPr>
-        <a:xfrm>
-          <a:off x="0" y="0"/>
-          <a:ext cx="0" cy="0"/>
-          <a:chOff x="0" y="0"/>
-          <a:chExt cx="0" cy="0"/>
-        </a:xfrm>
-      </p:grpSpPr>
-      <p:sp>
-        <p:nvSpPr>
-          <p:cNvPr id="2" name="Title 1"/>
-          <p:cNvSpPr>
-            <a:spLocks noGrp="1"/>
-          </p:cNvSpPr>
-          <p:nvPr>
-            <p:ph type="ctrTitle"/>
-          </p:nvPr>
-        </p:nvSpPr>
-        <p:spPr>
-          <a:xfrm>
-            <a:off x="685800" y="228600"/>
-            <a:ext cx="7772400" cy="685800"/>
-          </a:xfrm>
-        </p:spPr>
-        <p:txBody>
-          <a:bodyPr/>
-          <a:lstStyle/>
-          <a:p>
-            <a:pPr algn="l"/>
-            <a:r>
-              <a:rPr lang="en-US" sz="4000" dirty="0" smtClean="0"/>
-              <a:t>Agenda</a:t>
-            </a:r>
-            <a:endParaRPr lang="en-US" sz="4000" dirty="0"/>
-          </a:p>
-        </p:txBody>
-      </p:sp>
-      <p:sp>
-        <p:nvSpPr>
-          <p:cNvPr id="3" name="Subtitle 2"/>
-          <p:cNvSpPr>
-            <a:spLocks noGrp="1"/>
-          </p:cNvSpPr>
-          <p:nvPr>
-            <p:ph type="subTitle" idx="1"/>
-          </p:nvPr>
-        </p:nvSpPr>
-        <p:spPr>
-          <a:xfrm>
-            <a:off x="762000" y="1219200"/>
-            <a:ext cx="7315200" cy="4343400"/>
-          </a:xfrm>
-        </p:spPr>
-        <p:txBody>
-          <a:bodyPr>
-            <a:noAutofit/>
-          </a:bodyPr>
-          <a:lstStyle/>
-          <a:p>
-            <a:pPr marL="342900" indent="-342900" algn="l">
-              <a:buFont typeface="Arial" panose="020B0604020202020204" pitchFamily="34" charset="0"/>
-              <a:buChar char="•"/>
-            </a:pPr>
-            <a:r>
-              <a:rPr lang="en-US" sz="3200" dirty="0" smtClean="0"/>
-              <a:t>What is Jasmine?</a:t>
-            </a:r>
-          </a:p>
-          <a:p>
-            <a:pPr marL="342900" indent="-342900" algn="l">
-              <a:buFont typeface="Arial" panose="020B0604020202020204" pitchFamily="34" charset="0"/>
-              <a:buChar char="•"/>
-            </a:pPr>
-            <a:r>
-              <a:rPr lang="en-US" sz="3200" dirty="0" smtClean="0"/>
-              <a:t>Testing of </a:t>
-            </a:r>
-            <a:r>
-              <a:rPr lang="en-US" sz="3200" dirty="0" err="1" smtClean="0"/>
-              <a:t>Javascript</a:t>
-            </a:r>
-            <a:r>
-              <a:rPr lang="en-US" sz="3200" dirty="0" smtClean="0"/>
-              <a:t>.</a:t>
-            </a:r>
-          </a:p>
-          <a:p>
-            <a:pPr marL="342900" indent="-342900" algn="l">
-              <a:buFont typeface="Arial" panose="020B0604020202020204" pitchFamily="34" charset="0"/>
-              <a:buChar char="•"/>
-            </a:pPr>
-            <a:r>
-              <a:rPr lang="en-US" sz="3200" dirty="0" smtClean="0"/>
-              <a:t>Testing of </a:t>
-            </a:r>
-            <a:r>
-              <a:rPr lang="en-US" sz="3200" dirty="0" err="1"/>
-              <a:t>a</a:t>
-            </a:r>
-            <a:r>
-              <a:rPr lang="en-US" sz="3200" dirty="0" err="1" smtClean="0"/>
-              <a:t>sync</a:t>
-            </a:r>
-            <a:r>
-              <a:rPr lang="en-US" sz="3200" dirty="0" smtClean="0"/>
-              <a:t> </a:t>
-            </a:r>
-            <a:r>
-              <a:rPr lang="en-US" sz="3200" dirty="0" err="1" smtClean="0"/>
-              <a:t>Javascript</a:t>
-            </a:r>
-            <a:r>
-              <a:rPr lang="en-US" sz="3200" dirty="0" smtClean="0"/>
-              <a:t> code</a:t>
-            </a:r>
-          </a:p>
-          <a:p>
-            <a:pPr marL="342900" indent="-342900" algn="l">
-              <a:buFont typeface="Arial" panose="020B0604020202020204" pitchFamily="34" charset="0"/>
-              <a:buChar char="•"/>
-            </a:pPr>
-            <a:r>
-              <a:rPr lang="en-US" sz="3200" dirty="0" smtClean="0"/>
-              <a:t>Testing of ajax </a:t>
-            </a:r>
-            <a:r>
-              <a:rPr lang="en-US" sz="3200" dirty="0" err="1" smtClean="0"/>
-              <a:t>Javascript</a:t>
-            </a:r>
-            <a:r>
-              <a:rPr lang="en-US" sz="3200" dirty="0" smtClean="0"/>
-              <a:t> code.</a:t>
-            </a:r>
-          </a:p>
-          <a:p>
-            <a:pPr marL="342900" indent="-342900" algn="l">
-              <a:buFont typeface="Arial" panose="020B0604020202020204" pitchFamily="34" charset="0"/>
-              <a:buChar char="•"/>
-            </a:pPr>
-            <a:r>
-              <a:rPr lang="en-US" sz="3200" dirty="0" smtClean="0"/>
-              <a:t>Testing of UI </a:t>
-            </a:r>
-            <a:r>
-              <a:rPr lang="en-US" sz="3200" dirty="0" err="1" smtClean="0"/>
-              <a:t>Javascript</a:t>
-            </a:r>
-            <a:r>
-              <a:rPr lang="en-US" sz="3200" dirty="0" smtClean="0"/>
-              <a:t> code.</a:t>
-            </a:r>
-          </a:p>
-          <a:p>
-            <a:pPr marL="342900" indent="-342900" algn="l">
-              <a:buFont typeface="Arial" panose="020B0604020202020204" pitchFamily="34" charset="0"/>
-              <a:buChar char="•"/>
-            </a:pPr>
-            <a:r>
-              <a:rPr lang="en-US" sz="3200" dirty="0" smtClean="0"/>
-              <a:t>Karma test runner.</a:t>
-            </a:r>
-            <a:endParaRPr lang="en-US" sz="3200" dirty="0"/>
-          </a:p>
-        </p:txBody>
-      </p:sp>
-      <p:sp>
-        <p:nvSpPr>
-          <p:cNvPr id="4" name="Date Placeholder 3"/>
-          <p:cNvSpPr>
-            <a:spLocks noGrp="1"/>
-          </p:cNvSpPr>
-          <p:nvPr>
-            <p:ph type="dt" sz="half" idx="10"/>
-          </p:nvPr>
-        </p:nvSpPr>
-        <p:spPr/>
-        <p:txBody>
-          <a:bodyPr/>
-          <a:lstStyle/>
-          <a:p>
-            <a:fld id="{216C5678-EE20-4FA5-88E2-6E0BD67A2E26}" type="datetime1">
-              <a:rPr lang="en-US" smtClean="0"/>
-              <a:t>6/20/2016</a:t>
-            </a:fld>
-            <a:endParaRPr lang="en-US" dirty="0"/>
-          </a:p>
-        </p:txBody>
-      </p:sp>
-      <p:sp>
-        <p:nvSpPr>
-          <p:cNvPr id="5" name="Slide Number Placeholder 4"/>
-          <p:cNvSpPr>
-            <a:spLocks noGrp="1"/>
-          </p:cNvSpPr>
-          <p:nvPr>
-            <p:ph type="sldNum" sz="quarter" idx="11"/>
-          </p:nvPr>
-        </p:nvSpPr>
-        <p:spPr/>
-        <p:txBody>
-          <a:bodyPr/>
-          <a:lstStyle/>
-          <a:p>
-            <a:fld id="{BA9B540C-44DA-4F69-89C9-7C84606640D3}" type="slidenum">
-              <a:rPr lang="en-US" smtClean="0"/>
-              <a:pPr/>
-              <a:t>2</a:t>
-            </a:fld>
-            <a:endParaRPr lang="en-US" dirty="0"/>
-          </a:p>
-        </p:txBody>
-      </p:sp>
-      <p:sp>
-        <p:nvSpPr>
-          <p:cNvPr id="6" name="Footer Placeholder 5"/>
-          <p:cNvSpPr>
-            <a:spLocks noGrp="1"/>
-          </p:cNvSpPr>
-          <p:nvPr>
-            <p:ph type="ftr" sz="quarter" idx="12"/>
-          </p:nvPr>
-        </p:nvSpPr>
-        <p:spPr/>
-        <p:txBody>
-          <a:bodyPr/>
-          <a:lstStyle/>
-          <a:p>
-            <a:r>
-              <a:rPr lang="en-US" smtClean="0"/>
-              <a:t>Footer Text</a:t>
-            </a:r>
-            <a:endParaRPr lang="en-US" dirty="0"/>
-          </a:p>
-        </p:txBody>
-      </p:sp>
-    </p:spTree>
-    <p:extLst>
-      <p:ext uri="{BB962C8B-B14F-4D97-AF65-F5344CB8AC3E}">
-        <p14:creationId xmlns:p14="http://schemas.microsoft.com/office/powerpoint/2010/main" val="1112403685"/>
-      </p:ext>
-    </p:extLst>
-  </p:cSld>
-  <p:clrMapOvr>
-    <a:masterClrMapping/>
-  </p:clrMapOvr>
-</p:sld>
-</file>
-
-<file path=ppt/slides/slide20.xml><?xml version="1.0" encoding="utf-8"?>
-<p:sld xmlns:a="http://schemas.openxmlformats.org/drawingml/2006/main" xmlns:r="http://schemas.openxmlformats.org/officeDocument/2006/relationships" xmlns:p="http://schemas.openxmlformats.org/presentationml/2006/main">
-  <p:cSld>
-    <p:spTree>
-      <p:nvGrpSpPr>
-        <p:cNvPr id="1" name=""/>
-        <p:cNvGrpSpPr/>
-        <p:nvPr/>
-      </p:nvGrpSpPr>
-      <p:grpSpPr>
-        <a:xfrm>
-          <a:off x="0" y="0"/>
-          <a:ext cx="0" cy="0"/>
-          <a:chOff x="0" y="0"/>
-          <a:chExt cx="0" cy="0"/>
-        </a:xfrm>
-      </p:grpSpPr>
-      <p:sp>
-        <p:nvSpPr>
-          <p:cNvPr id="2" name="Title 1"/>
-          <p:cNvSpPr>
-            <a:spLocks noGrp="1"/>
-          </p:cNvSpPr>
-          <p:nvPr>
-            <p:ph type="ctrTitle"/>
-          </p:nvPr>
-        </p:nvSpPr>
-        <p:spPr>
-          <a:xfrm>
-            <a:off x="685800" y="228600"/>
-            <a:ext cx="8458200" cy="685800"/>
-          </a:xfrm>
-        </p:spPr>
-        <p:txBody>
-          <a:bodyPr/>
-          <a:lstStyle/>
-          <a:p>
-            <a:pPr algn="l"/>
-            <a:r>
-              <a:rPr lang="en-US" sz="4000" dirty="0" smtClean="0"/>
-              <a:t>Karma Configuration</a:t>
-            </a:r>
-            <a:endParaRPr lang="en-US" sz="4000" dirty="0"/>
-          </a:p>
-        </p:txBody>
-      </p:sp>
-      <p:sp>
-        <p:nvSpPr>
-          <p:cNvPr id="4" name="Date Placeholder 3"/>
-          <p:cNvSpPr>
-            <a:spLocks noGrp="1"/>
-          </p:cNvSpPr>
-          <p:nvPr>
-            <p:ph type="dt" sz="half" idx="10"/>
-          </p:nvPr>
-        </p:nvSpPr>
-        <p:spPr/>
-        <p:txBody>
-          <a:bodyPr/>
-          <a:lstStyle/>
-          <a:p>
-            <a:fld id="{216C5678-EE20-4FA5-88E2-6E0BD67A2E26}" type="datetime1">
-              <a:rPr lang="en-US" smtClean="0"/>
-              <a:t>6/20/2016</a:t>
-            </a:fld>
-            <a:endParaRPr lang="en-US" dirty="0"/>
-          </a:p>
-        </p:txBody>
-      </p:sp>
-      <p:sp>
-        <p:nvSpPr>
-          <p:cNvPr id="5" name="Slide Number Placeholder 4"/>
-          <p:cNvSpPr>
-            <a:spLocks noGrp="1"/>
-          </p:cNvSpPr>
-          <p:nvPr>
-            <p:ph type="sldNum" sz="quarter" idx="11"/>
-          </p:nvPr>
-        </p:nvSpPr>
-        <p:spPr/>
-        <p:txBody>
-          <a:bodyPr/>
-          <a:lstStyle/>
-          <a:p>
-            <a:fld id="{BA9B540C-44DA-4F69-89C9-7C84606640D3}" type="slidenum">
-              <a:rPr lang="en-US" smtClean="0"/>
-              <a:pPr/>
-              <a:t>20</a:t>
-            </a:fld>
-            <a:endParaRPr lang="en-US" dirty="0"/>
-          </a:p>
-        </p:txBody>
-      </p:sp>
-      <p:sp>
-        <p:nvSpPr>
-          <p:cNvPr id="6" name="Footer Placeholder 5"/>
-          <p:cNvSpPr>
-            <a:spLocks noGrp="1"/>
-          </p:cNvSpPr>
-          <p:nvPr>
-            <p:ph type="ftr" sz="quarter" idx="12"/>
-          </p:nvPr>
-        </p:nvSpPr>
-        <p:spPr/>
-        <p:txBody>
-          <a:bodyPr/>
-          <a:lstStyle/>
-          <a:p>
-            <a:r>
-              <a:rPr lang="en-US" smtClean="0"/>
-              <a:t>Footer Text</a:t>
-            </a:r>
-            <a:endParaRPr lang="en-US" dirty="0"/>
-          </a:p>
-        </p:txBody>
-      </p:sp>
-      <p:sp>
-        <p:nvSpPr>
-          <p:cNvPr id="7" name="Subtitle 2"/>
-          <p:cNvSpPr txBox="1">
-            <a:spLocks/>
-          </p:cNvSpPr>
-          <p:nvPr/>
-        </p:nvSpPr>
-        <p:spPr>
-          <a:xfrm>
-            <a:off x="228600" y="990600"/>
-            <a:ext cx="8610600" cy="3505200"/>
-          </a:xfrm>
-          <a:prstGeom prst="rect">
-            <a:avLst/>
-          </a:prstGeom>
-        </p:spPr>
-        <p:txBody>
-          <a:bodyPr vert="horz" lIns="91440" tIns="45720" rIns="91440" bIns="45720" rtlCol="0">
-            <a:normAutofit/>
-          </a:bodyPr>
-          <a:lstStyle>
-            <a:lvl1pPr marL="0" indent="0" algn="ctr" defTabSz="914400" rtl="0" eaLnBrk="1" latinLnBrk="0" hangingPunct="1">
-              <a:spcBef>
-                <a:spcPct val="20000"/>
-              </a:spcBef>
-              <a:buFont typeface="Arial" pitchFamily="34" charset="0"/>
-              <a:buNone/>
-              <a:defRPr sz="2400" kern="1200">
-                <a:solidFill>
-                  <a:schemeClr val="tx1">
-                    <a:tint val="75000"/>
-                  </a:schemeClr>
-                </a:solidFill>
-                <a:latin typeface="+mj-lt"/>
-                <a:ea typeface="+mn-ea"/>
-                <a:cs typeface="+mn-cs"/>
-              </a:defRPr>
-            </a:lvl1pPr>
-            <a:lvl2pPr marL="457200" indent="0" algn="ctr" defTabSz="914400" rtl="0" eaLnBrk="1" latinLnBrk="0" hangingPunct="1">
-              <a:spcBef>
-                <a:spcPct val="20000"/>
-              </a:spcBef>
-              <a:buFont typeface="Courier New" pitchFamily="49" charset="0"/>
-              <a:buNone/>
-              <a:defRPr sz="1600" kern="1200">
-                <a:solidFill>
-                  <a:schemeClr val="tx1">
-                    <a:tint val="75000"/>
-                  </a:schemeClr>
-                </a:solidFill>
-                <a:latin typeface="+mj-lt"/>
-                <a:ea typeface="+mn-ea"/>
-                <a:cs typeface="+mn-cs"/>
-              </a:defRPr>
-            </a:lvl2pPr>
-            <a:lvl3pPr marL="914400" indent="0" algn="ctr" defTabSz="914400" rtl="0" eaLnBrk="1" latinLnBrk="0" hangingPunct="1">
-              <a:spcBef>
-                <a:spcPct val="20000"/>
-              </a:spcBef>
-              <a:buFont typeface="Arial" pitchFamily="34" charset="0"/>
-              <a:buNone/>
-              <a:defRPr sz="1600" kern="1200">
-                <a:solidFill>
-                  <a:schemeClr val="tx1">
-                    <a:tint val="75000"/>
-                  </a:schemeClr>
-                </a:solidFill>
-                <a:latin typeface="+mj-lt"/>
-                <a:ea typeface="+mn-ea"/>
-                <a:cs typeface="+mn-cs"/>
-              </a:defRPr>
-            </a:lvl3pPr>
-            <a:lvl4pPr marL="1371600" indent="0" algn="ctr" defTabSz="914400" rtl="0" eaLnBrk="1" latinLnBrk="0" hangingPunct="1">
-              <a:spcBef>
-                <a:spcPct val="20000"/>
-              </a:spcBef>
-              <a:buFont typeface="Courier New" pitchFamily="49" charset="0"/>
-              <a:buNone/>
-              <a:defRPr sz="1600" kern="1200">
-                <a:solidFill>
-                  <a:schemeClr val="tx1">
-                    <a:tint val="75000"/>
-                  </a:schemeClr>
-                </a:solidFill>
-                <a:latin typeface="+mj-lt"/>
-                <a:ea typeface="+mn-ea"/>
-                <a:cs typeface="+mn-cs"/>
-              </a:defRPr>
-            </a:lvl4pPr>
-            <a:lvl5pPr marL="1828800" indent="0" algn="ctr" defTabSz="914400" rtl="0" eaLnBrk="1" latinLnBrk="0" hangingPunct="1">
-              <a:spcBef>
-                <a:spcPct val="20000"/>
-              </a:spcBef>
-              <a:buFont typeface="Arial" pitchFamily="34" charset="0"/>
-              <a:buNone/>
-              <a:defRPr sz="1600" kern="1200">
-                <a:solidFill>
-                  <a:schemeClr val="tx1">
-                    <a:tint val="75000"/>
-                  </a:schemeClr>
-                </a:solidFill>
-                <a:latin typeface="+mj-lt"/>
-                <a:ea typeface="+mn-ea"/>
-                <a:cs typeface="+mn-cs"/>
-              </a:defRPr>
-            </a:lvl5pPr>
-            <a:lvl6pPr marL="2286000" indent="0" algn="ctr" defTabSz="914400" rtl="0" eaLnBrk="1" latinLnBrk="0" hangingPunct="1">
-              <a:spcBef>
-                <a:spcPct val="20000"/>
-              </a:spcBef>
-              <a:buFont typeface="Courier New" pitchFamily="49" charset="0"/>
-              <a:buNone/>
-              <a:defRPr sz="1600" kern="1200">
-                <a:solidFill>
-                  <a:schemeClr val="tx1">
-                    <a:tint val="75000"/>
-                  </a:schemeClr>
-                </a:solidFill>
-                <a:latin typeface="+mj-lt"/>
-                <a:ea typeface="+mn-ea"/>
-                <a:cs typeface="+mn-cs"/>
-              </a:defRPr>
-            </a:lvl6pPr>
-            <a:lvl7pPr marL="2743200" indent="0" algn="ctr" defTabSz="914400" rtl="0" eaLnBrk="1" latinLnBrk="0" hangingPunct="1">
-              <a:spcBef>
-                <a:spcPct val="20000"/>
-              </a:spcBef>
-              <a:buFont typeface="Arial" pitchFamily="34" charset="0"/>
-              <a:buNone/>
-              <a:defRPr sz="1600" kern="1200">
-                <a:solidFill>
-                  <a:schemeClr val="tx1">
-                    <a:tint val="75000"/>
-                  </a:schemeClr>
-                </a:solidFill>
-                <a:latin typeface="+mj-lt"/>
-                <a:ea typeface="+mn-ea"/>
-                <a:cs typeface="+mn-cs"/>
-              </a:defRPr>
-            </a:lvl7pPr>
-            <a:lvl8pPr marL="3200400" indent="0" algn="ctr" defTabSz="914400" rtl="0" eaLnBrk="1" latinLnBrk="0" hangingPunct="1">
-              <a:spcBef>
-                <a:spcPct val="20000"/>
-              </a:spcBef>
-              <a:buFont typeface="Courier New" pitchFamily="49" charset="0"/>
-              <a:buNone/>
-              <a:defRPr sz="1600" kern="1200">
-                <a:solidFill>
-                  <a:schemeClr val="tx1">
-                    <a:tint val="75000"/>
-                  </a:schemeClr>
-                </a:solidFill>
-                <a:latin typeface="+mj-lt"/>
-                <a:ea typeface="+mn-ea"/>
-                <a:cs typeface="+mn-cs"/>
-              </a:defRPr>
-            </a:lvl8pPr>
-            <a:lvl9pPr marL="3657600" indent="0" algn="ctr" defTabSz="914400" rtl="0" eaLnBrk="1" latinLnBrk="0" hangingPunct="1">
-              <a:spcBef>
-                <a:spcPct val="20000"/>
-              </a:spcBef>
-              <a:buFont typeface="Arial" pitchFamily="34" charset="0"/>
-              <a:buNone/>
-              <a:defRPr sz="1600" kern="1200">
-                <a:solidFill>
-                  <a:schemeClr val="tx1">
-                    <a:tint val="75000"/>
-                  </a:schemeClr>
-                </a:solidFill>
-                <a:latin typeface="+mj-lt"/>
-                <a:ea typeface="+mn-ea"/>
-                <a:cs typeface="+mn-cs"/>
-              </a:defRPr>
-            </a:lvl9pPr>
-          </a:lstStyle>
-          <a:p>
-            <a:pPr marL="342900" indent="-342900" algn="l">
-              <a:buFont typeface="Arial" panose="020B0604020202020204" pitchFamily="34" charset="0"/>
-              <a:buChar char="•"/>
-            </a:pPr>
-            <a:r>
-              <a:rPr lang="en-US" dirty="0" smtClean="0"/>
-              <a:t>C:\code karma </a:t>
-            </a:r>
-            <a:r>
-              <a:rPr lang="en-US" dirty="0" err="1" smtClean="0"/>
-              <a:t>init</a:t>
-            </a:r>
-            <a:r>
-              <a:rPr lang="en-US" dirty="0" smtClean="0"/>
-              <a:t>    to generate karma.conf.js</a:t>
-            </a:r>
-          </a:p>
-          <a:p>
-            <a:pPr marL="342900" indent="-342900" algn="l">
-              <a:buFont typeface="Arial" panose="020B0604020202020204" pitchFamily="34" charset="0"/>
-              <a:buChar char="•"/>
-            </a:pPr>
-            <a:r>
-              <a:rPr lang="en-US" dirty="0" smtClean="0"/>
-              <a:t>C:\code karma start   to run karma.</a:t>
-            </a:r>
-          </a:p>
-          <a:p>
-            <a:pPr marL="342900" indent="-342900" algn="l">
-              <a:buFont typeface="Arial" panose="020B0604020202020204" pitchFamily="34" charset="0"/>
-              <a:buChar char="•"/>
-            </a:pPr>
-            <a:endParaRPr lang="en-US" dirty="0"/>
-          </a:p>
-          <a:p>
-            <a:pPr marL="342900" indent="-342900" algn="l">
-              <a:buFont typeface="Arial" panose="020B0604020202020204" pitchFamily="34" charset="0"/>
-              <a:buChar char="•"/>
-            </a:pPr>
-            <a:endParaRPr lang="en-US" dirty="0" smtClean="0"/>
-          </a:p>
-          <a:p>
-            <a:pPr algn="l"/>
-            <a:r>
-              <a:rPr lang="en-US" dirty="0"/>
-              <a:t>	</a:t>
-            </a:r>
-            <a:r>
-              <a:rPr lang="en-US" dirty="0" smtClean="0"/>
-              <a:t>		</a:t>
-            </a:r>
-            <a:r>
-              <a:rPr lang="en-US" b="1" dirty="0" smtClean="0"/>
-              <a:t>Code Demo</a:t>
-            </a:r>
-            <a:endParaRPr lang="en-US" b="1" dirty="0"/>
-          </a:p>
-        </p:txBody>
-      </p:sp>
-    </p:spTree>
-    <p:extLst>
-      <p:ext uri="{BB962C8B-B14F-4D97-AF65-F5344CB8AC3E}">
-        <p14:creationId xmlns:p14="http://schemas.microsoft.com/office/powerpoint/2010/main" val="1319405496"/>
-      </p:ext>
-    </p:extLst>
-  </p:cSld>
-  <p:clrMapOvr>
-    <a:masterClrMapping/>
-  </p:clrMapOvr>
-</p:sld>
-</file>
-
 <file path=ppt/slides/slide21.xml><?xml version="1.0" encoding="utf-8"?>
 <p:sld xmlns:a="http://schemas.openxmlformats.org/drawingml/2006/main" xmlns:r="http://schemas.openxmlformats.org/officeDocument/2006/relationships" xmlns:p="http://schemas.openxmlformats.org/presentationml/2006/main">
   <p:cSld>
@@ -7611,7 +7709,7 @@
             <a:pPr algn="l"/>
             <a:r>
               <a:rPr lang="en-US" sz="4000" dirty="0" smtClean="0"/>
-              <a:t>Conclusion</a:t>
+              <a:t>Karma Configuration</a:t>
             </a:r>
             <a:endParaRPr lang="en-US" sz="4000" dirty="0"/>
           </a:p>
@@ -7634,7 +7732,7 @@
           <a:p>
             <a:fld id="{216C5678-EE20-4FA5-88E2-6E0BD67A2E26}" type="datetime1">
               <a:rPr lang="en-US" smtClean="0"/>
-              <a:t>6/20/2016</a:t>
+              <a:t>6/24/2016</a:t>
             </a:fld>
             <a:endParaRPr lang="en-US" dirty="0"/>
           </a:p>
@@ -7697,8 +7795,8 @@
         </p:nvSpPr>
         <p:spPr>
           <a:xfrm>
-            <a:off x="381000" y="1600200"/>
-            <a:ext cx="8458200" cy="3429000"/>
+            <a:off x="228600" y="990600"/>
+            <a:ext cx="8610600" cy="5257800"/>
           </a:xfrm>
           <a:prstGeom prst="rect">
             <a:avLst/>
@@ -7864,25 +7962,468 @@
             </a:lvl9pPr>
           </a:lstStyle>
           <a:p>
+            <a:pPr algn="l"/>
+            <a:r>
+              <a:rPr lang="en-US" dirty="0" smtClean="0"/>
+              <a:t>Assume your </a:t>
+            </a:r>
+            <a:r>
+              <a:rPr lang="en-US" dirty="0" err="1" smtClean="0"/>
+              <a:t>Javascript</a:t>
+            </a:r>
+            <a:r>
+              <a:rPr lang="en-US" dirty="0" smtClean="0"/>
+              <a:t> code </a:t>
+            </a:r>
+            <a:r>
+              <a:rPr lang="en-US" dirty="0" smtClean="0"/>
+              <a:t>folder is C:\code</a:t>
+            </a:r>
+            <a:endParaRPr lang="en-US" dirty="0" smtClean="0"/>
+          </a:p>
+          <a:p>
+            <a:pPr algn="l"/>
+            <a:r>
+              <a:rPr lang="en-US" dirty="0" smtClean="0"/>
+              <a:t>1</a:t>
+            </a:r>
+            <a:r>
+              <a:rPr lang="en-US" baseline="30000" dirty="0" smtClean="0"/>
+              <a:t>st</a:t>
+            </a:r>
+            <a:r>
+              <a:rPr lang="en-US" dirty="0" smtClean="0"/>
+              <a:t> cd to C</a:t>
+            </a:r>
+            <a:r>
+              <a:rPr lang="en-US" dirty="0" smtClean="0"/>
+              <a:t>:\</a:t>
+            </a:r>
+            <a:r>
+              <a:rPr lang="en-US" dirty="0" smtClean="0"/>
+              <a:t>code, then type “karma </a:t>
+            </a:r>
+            <a:r>
+              <a:rPr lang="en-US" dirty="0" err="1" smtClean="0"/>
+              <a:t>init</a:t>
+            </a:r>
+            <a:r>
+              <a:rPr lang="en-US" dirty="0" smtClean="0"/>
+              <a:t>” to </a:t>
+            </a:r>
+            <a:r>
+              <a:rPr lang="en-US" dirty="0" smtClean="0"/>
+              <a:t>generate </a:t>
+            </a:r>
+            <a:endParaRPr lang="en-US" dirty="0" smtClean="0"/>
+          </a:p>
+          <a:p>
+            <a:pPr algn="l"/>
+            <a:r>
+              <a:rPr lang="en-US" dirty="0"/>
+              <a:t> </a:t>
+            </a:r>
+            <a:r>
+              <a:rPr lang="en-US" dirty="0" smtClean="0"/>
+              <a:t>    </a:t>
+            </a:r>
+            <a:r>
+              <a:rPr lang="en-US" dirty="0" smtClean="0"/>
+              <a:t>karma.conf.js</a:t>
+            </a:r>
+            <a:endParaRPr lang="en-US" dirty="0" smtClean="0"/>
+          </a:p>
+          <a:p>
+            <a:pPr algn="l"/>
+            <a:endParaRPr lang="en-US" dirty="0" smtClean="0"/>
+          </a:p>
+          <a:p>
+            <a:pPr algn="l"/>
+            <a:r>
+              <a:rPr lang="en-US" dirty="0" smtClean="0"/>
+              <a:t>2</a:t>
+            </a:r>
+            <a:r>
+              <a:rPr lang="en-US" baseline="30000" dirty="0" smtClean="0"/>
+              <a:t>nd</a:t>
+            </a:r>
+            <a:r>
+              <a:rPr lang="en-US" dirty="0" smtClean="0"/>
+              <a:t> Modify karma.conf.js to your liking.</a:t>
+            </a:r>
+          </a:p>
+          <a:p>
+            <a:pPr algn="l"/>
+            <a:endParaRPr lang="en-US" dirty="0"/>
+          </a:p>
+          <a:p>
+            <a:pPr algn="l"/>
+            <a:r>
+              <a:rPr lang="en-US" dirty="0" smtClean="0"/>
+              <a:t>3</a:t>
+            </a:r>
+            <a:r>
+              <a:rPr lang="en-US" baseline="30000" dirty="0" smtClean="0"/>
+              <a:t>rd</a:t>
+            </a:r>
+            <a:r>
+              <a:rPr lang="en-US" dirty="0" smtClean="0"/>
+              <a:t>. In </a:t>
+            </a:r>
+            <a:r>
+              <a:rPr lang="en-US" dirty="0" smtClean="0"/>
+              <a:t>C</a:t>
+            </a:r>
+            <a:r>
+              <a:rPr lang="en-US" dirty="0" smtClean="0"/>
+              <a:t>:\</a:t>
+            </a:r>
+            <a:r>
+              <a:rPr lang="en-US" dirty="0" smtClean="0"/>
+              <a:t>code, type “karma start”   </a:t>
+            </a:r>
+            <a:r>
+              <a:rPr lang="en-US" dirty="0" smtClean="0"/>
+              <a:t>to run karma.</a:t>
+            </a:r>
+          </a:p>
+          <a:p>
             <a:pPr marL="342900" indent="-342900" algn="l">
               <a:buFont typeface="Arial" panose="020B0604020202020204" pitchFamily="34" charset="0"/>
               <a:buChar char="•"/>
             </a:pPr>
-            <a:r>
-              <a:rPr lang="en-US" sz="3200" dirty="0" smtClean="0"/>
-              <a:t>Introduction to Jasmine.</a:t>
-            </a:r>
+            <a:endParaRPr lang="en-US" dirty="0"/>
           </a:p>
           <a:p>
             <a:pPr marL="342900" indent="-342900" algn="l">
               <a:buFont typeface="Arial" panose="020B0604020202020204" pitchFamily="34" charset="0"/>
               <a:buChar char="•"/>
             </a:pPr>
-            <a:r>
-              <a:rPr lang="en-US" sz="3200" dirty="0" smtClean="0"/>
-              <a:t>Use Jasmine to mock ajax and long running functions</a:t>
-            </a:r>
-          </a:p>
+            <a:endParaRPr lang="en-US" dirty="0" smtClean="0"/>
+          </a:p>
+          <a:p>
+            <a:pPr algn="l"/>
+            <a:r>
+              <a:rPr lang="en-US" dirty="0"/>
+              <a:t>	</a:t>
+            </a:r>
+            <a:r>
+              <a:rPr lang="en-US" dirty="0" smtClean="0"/>
+              <a:t>		</a:t>
+            </a:r>
+            <a:r>
+              <a:rPr lang="en-US" sz="3600" b="1" dirty="0" smtClean="0"/>
+              <a:t>Code Demo</a:t>
+            </a:r>
+            <a:endParaRPr lang="en-US" sz="3600" b="1" dirty="0"/>
+          </a:p>
+        </p:txBody>
+      </p:sp>
+    </p:spTree>
+    <p:extLst>
+      <p:ext uri="{BB962C8B-B14F-4D97-AF65-F5344CB8AC3E}">
+        <p14:creationId xmlns:p14="http://schemas.microsoft.com/office/powerpoint/2010/main" val="1319405496"/>
+      </p:ext>
+    </p:extLst>
+  </p:cSld>
+  <p:clrMapOvr>
+    <a:masterClrMapping/>
+  </p:clrMapOvr>
+</p:sld>
+</file>
+
+<file path=ppt/slides/slide22.xml><?xml version="1.0" encoding="utf-8"?>
+<p:sld xmlns:a="http://schemas.openxmlformats.org/drawingml/2006/main" xmlns:r="http://schemas.openxmlformats.org/officeDocument/2006/relationships" xmlns:p="http://schemas.openxmlformats.org/presentationml/2006/main">
+  <p:cSld>
+    <p:spTree>
+      <p:nvGrpSpPr>
+        <p:cNvPr id="1" name=""/>
+        <p:cNvGrpSpPr/>
+        <p:nvPr/>
+      </p:nvGrpSpPr>
+      <p:grpSpPr>
+        <a:xfrm>
+          <a:off x="0" y="0"/>
+          <a:ext cx="0" cy="0"/>
+          <a:chOff x="0" y="0"/>
+          <a:chExt cx="0" cy="0"/>
+        </a:xfrm>
+      </p:grpSpPr>
+      <p:sp>
+        <p:nvSpPr>
+          <p:cNvPr id="2" name="Title 1"/>
+          <p:cNvSpPr>
+            <a:spLocks noGrp="1"/>
+          </p:cNvSpPr>
+          <p:nvPr>
+            <p:ph type="ctrTitle"/>
+          </p:nvPr>
+        </p:nvSpPr>
+        <p:spPr>
+          <a:xfrm>
+            <a:off x="685800" y="228600"/>
+            <a:ext cx="8458200" cy="685800"/>
+          </a:xfrm>
+        </p:spPr>
+        <p:txBody>
+          <a:bodyPr/>
+          <a:lstStyle/>
+          <a:p>
+            <a:pPr algn="l"/>
+            <a:r>
+              <a:rPr lang="en-US" sz="4000" dirty="0" smtClean="0"/>
+              <a:t>Conclusion</a:t>
+            </a:r>
+            <a:endParaRPr lang="en-US" sz="4000" dirty="0"/>
+          </a:p>
+        </p:txBody>
+      </p:sp>
+      <p:sp>
+        <p:nvSpPr>
+          <p:cNvPr id="4" name="Date Placeholder 3"/>
+          <p:cNvSpPr>
+            <a:spLocks noGrp="1"/>
+          </p:cNvSpPr>
+          <p:nvPr>
+            <p:ph type="dt" sz="half" idx="10"/>
+          </p:nvPr>
+        </p:nvSpPr>
+        <p:spPr/>
+        <p:txBody>
+          <a:bodyPr/>
+          <a:lstStyle/>
+          <a:p>
+            <a:fld id="{216C5678-EE20-4FA5-88E2-6E0BD67A2E26}" type="datetime1">
+              <a:rPr lang="en-US" smtClean="0"/>
+              <a:t>6/24/2016</a:t>
+            </a:fld>
+            <a:endParaRPr lang="en-US" dirty="0"/>
+          </a:p>
+        </p:txBody>
+      </p:sp>
+      <p:sp>
+        <p:nvSpPr>
+          <p:cNvPr id="5" name="Slide Number Placeholder 4"/>
+          <p:cNvSpPr>
+            <a:spLocks noGrp="1"/>
+          </p:cNvSpPr>
+          <p:nvPr>
+            <p:ph type="sldNum" sz="quarter" idx="11"/>
+          </p:nvPr>
+        </p:nvSpPr>
+        <p:spPr/>
+        <p:txBody>
+          <a:bodyPr/>
+          <a:lstStyle/>
+          <a:p>
+            <a:fld id="{BA9B540C-44DA-4F69-89C9-7C84606640D3}" type="slidenum">
+              <a:rPr lang="en-US" smtClean="0"/>
+              <a:pPr/>
+              <a:t>22</a:t>
+            </a:fld>
+            <a:endParaRPr lang="en-US" dirty="0"/>
+          </a:p>
+        </p:txBody>
+      </p:sp>
+      <p:sp>
+        <p:nvSpPr>
+          <p:cNvPr id="6" name="Footer Placeholder 5"/>
+          <p:cNvSpPr>
+            <a:spLocks noGrp="1"/>
+          </p:cNvSpPr>
+          <p:nvPr>
+            <p:ph type="ftr" sz="quarter" idx="12"/>
+          </p:nvPr>
+        </p:nvSpPr>
+        <p:spPr/>
+        <p:txBody>
+          <a:bodyPr/>
+          <a:lstStyle/>
+          <a:p>
+            <a:r>
+              <a:rPr lang="en-US" smtClean="0"/>
+              <a:t>Footer Text</a:t>
+            </a:r>
+            <a:endParaRPr lang="en-US" dirty="0"/>
+          </a:p>
+        </p:txBody>
+      </p:sp>
+      <p:sp>
+        <p:nvSpPr>
+          <p:cNvPr id="7" name="Subtitle 2"/>
+          <p:cNvSpPr txBox="1">
+            <a:spLocks/>
+          </p:cNvSpPr>
+          <p:nvPr/>
+        </p:nvSpPr>
+        <p:spPr>
+          <a:xfrm>
+            <a:off x="381000" y="1600200"/>
+            <a:ext cx="8458200" cy="3429000"/>
+          </a:xfrm>
+          <a:prstGeom prst="rect">
+            <a:avLst/>
+          </a:prstGeom>
+        </p:spPr>
+        <p:txBody>
+          <a:bodyPr vert="horz" lIns="91440" tIns="45720" rIns="91440" bIns="45720" rtlCol="0">
+            <a:normAutofit/>
+          </a:bodyPr>
+          <a:lstStyle>
+            <a:lvl1pPr marL="0" indent="0" algn="ctr" defTabSz="914400" rtl="0" eaLnBrk="1" latinLnBrk="0" hangingPunct="1">
+              <a:spcBef>
+                <a:spcPct val="20000"/>
+              </a:spcBef>
+              <a:buFont typeface="Arial" pitchFamily="34" charset="0"/>
+              <a:buNone/>
+              <a:defRPr sz="2400" kern="1200">
+                <a:solidFill>
+                  <a:schemeClr val="tx1">
+                    <a:tint val="75000"/>
+                  </a:schemeClr>
+                </a:solidFill>
+                <a:latin typeface="+mj-lt"/>
+                <a:ea typeface="+mn-ea"/>
+                <a:cs typeface="+mn-cs"/>
+              </a:defRPr>
+            </a:lvl1pPr>
+            <a:lvl2pPr marL="457200" indent="0" algn="ctr" defTabSz="914400" rtl="0" eaLnBrk="1" latinLnBrk="0" hangingPunct="1">
+              <a:spcBef>
+                <a:spcPct val="20000"/>
+              </a:spcBef>
+              <a:buFont typeface="Courier New" pitchFamily="49" charset="0"/>
+              <a:buNone/>
+              <a:defRPr sz="1600" kern="1200">
+                <a:solidFill>
+                  <a:schemeClr val="tx1">
+                    <a:tint val="75000"/>
+                  </a:schemeClr>
+                </a:solidFill>
+                <a:latin typeface="+mj-lt"/>
+                <a:ea typeface="+mn-ea"/>
+                <a:cs typeface="+mn-cs"/>
+              </a:defRPr>
+            </a:lvl2pPr>
+            <a:lvl3pPr marL="914400" indent="0" algn="ctr" defTabSz="914400" rtl="0" eaLnBrk="1" latinLnBrk="0" hangingPunct="1">
+              <a:spcBef>
+                <a:spcPct val="20000"/>
+              </a:spcBef>
+              <a:buFont typeface="Arial" pitchFamily="34" charset="0"/>
+              <a:buNone/>
+              <a:defRPr sz="1600" kern="1200">
+                <a:solidFill>
+                  <a:schemeClr val="tx1">
+                    <a:tint val="75000"/>
+                  </a:schemeClr>
+                </a:solidFill>
+                <a:latin typeface="+mj-lt"/>
+                <a:ea typeface="+mn-ea"/>
+                <a:cs typeface="+mn-cs"/>
+              </a:defRPr>
+            </a:lvl3pPr>
+            <a:lvl4pPr marL="1371600" indent="0" algn="ctr" defTabSz="914400" rtl="0" eaLnBrk="1" latinLnBrk="0" hangingPunct="1">
+              <a:spcBef>
+                <a:spcPct val="20000"/>
+              </a:spcBef>
+              <a:buFont typeface="Courier New" pitchFamily="49" charset="0"/>
+              <a:buNone/>
+              <a:defRPr sz="1600" kern="1200">
+                <a:solidFill>
+                  <a:schemeClr val="tx1">
+                    <a:tint val="75000"/>
+                  </a:schemeClr>
+                </a:solidFill>
+                <a:latin typeface="+mj-lt"/>
+                <a:ea typeface="+mn-ea"/>
+                <a:cs typeface="+mn-cs"/>
+              </a:defRPr>
+            </a:lvl4pPr>
+            <a:lvl5pPr marL="1828800" indent="0" algn="ctr" defTabSz="914400" rtl="0" eaLnBrk="1" latinLnBrk="0" hangingPunct="1">
+              <a:spcBef>
+                <a:spcPct val="20000"/>
+              </a:spcBef>
+              <a:buFont typeface="Arial" pitchFamily="34" charset="0"/>
+              <a:buNone/>
+              <a:defRPr sz="1600" kern="1200">
+                <a:solidFill>
+                  <a:schemeClr val="tx1">
+                    <a:tint val="75000"/>
+                  </a:schemeClr>
+                </a:solidFill>
+                <a:latin typeface="+mj-lt"/>
+                <a:ea typeface="+mn-ea"/>
+                <a:cs typeface="+mn-cs"/>
+              </a:defRPr>
+            </a:lvl5pPr>
+            <a:lvl6pPr marL="2286000" indent="0" algn="ctr" defTabSz="914400" rtl="0" eaLnBrk="1" latinLnBrk="0" hangingPunct="1">
+              <a:spcBef>
+                <a:spcPct val="20000"/>
+              </a:spcBef>
+              <a:buFont typeface="Courier New" pitchFamily="49" charset="0"/>
+              <a:buNone/>
+              <a:defRPr sz="1600" kern="1200">
+                <a:solidFill>
+                  <a:schemeClr val="tx1">
+                    <a:tint val="75000"/>
+                  </a:schemeClr>
+                </a:solidFill>
+                <a:latin typeface="+mj-lt"/>
+                <a:ea typeface="+mn-ea"/>
+                <a:cs typeface="+mn-cs"/>
+              </a:defRPr>
+            </a:lvl6pPr>
+            <a:lvl7pPr marL="2743200" indent="0" algn="ctr" defTabSz="914400" rtl="0" eaLnBrk="1" latinLnBrk="0" hangingPunct="1">
+              <a:spcBef>
+                <a:spcPct val="20000"/>
+              </a:spcBef>
+              <a:buFont typeface="Arial" pitchFamily="34" charset="0"/>
+              <a:buNone/>
+              <a:defRPr sz="1600" kern="1200">
+                <a:solidFill>
+                  <a:schemeClr val="tx1">
+                    <a:tint val="75000"/>
+                  </a:schemeClr>
+                </a:solidFill>
+                <a:latin typeface="+mj-lt"/>
+                <a:ea typeface="+mn-ea"/>
+                <a:cs typeface="+mn-cs"/>
+              </a:defRPr>
+            </a:lvl7pPr>
+            <a:lvl8pPr marL="3200400" indent="0" algn="ctr" defTabSz="914400" rtl="0" eaLnBrk="1" latinLnBrk="0" hangingPunct="1">
+              <a:spcBef>
+                <a:spcPct val="20000"/>
+              </a:spcBef>
+              <a:buFont typeface="Courier New" pitchFamily="49" charset="0"/>
+              <a:buNone/>
+              <a:defRPr sz="1600" kern="1200">
+                <a:solidFill>
+                  <a:schemeClr val="tx1">
+                    <a:tint val="75000"/>
+                  </a:schemeClr>
+                </a:solidFill>
+                <a:latin typeface="+mj-lt"/>
+                <a:ea typeface="+mn-ea"/>
+                <a:cs typeface="+mn-cs"/>
+              </a:defRPr>
+            </a:lvl8pPr>
+            <a:lvl9pPr marL="3657600" indent="0" algn="ctr" defTabSz="914400" rtl="0" eaLnBrk="1" latinLnBrk="0" hangingPunct="1">
+              <a:spcBef>
+                <a:spcPct val="20000"/>
+              </a:spcBef>
+              <a:buFont typeface="Arial" pitchFamily="34" charset="0"/>
+              <a:buNone/>
+              <a:defRPr sz="1600" kern="1200">
+                <a:solidFill>
+                  <a:schemeClr val="tx1">
+                    <a:tint val="75000"/>
+                  </a:schemeClr>
+                </a:solidFill>
+                <a:latin typeface="+mj-lt"/>
+                <a:ea typeface="+mn-ea"/>
+                <a:cs typeface="+mn-cs"/>
+              </a:defRPr>
+            </a:lvl9pPr>
+          </a:lstStyle>
           <a:p>
             <a:pPr marL="342900" indent="-342900" algn="l">
               <a:buFont typeface="Arial" panose="020B0604020202020204" pitchFamily="34" charset="0"/>
@@ -7890,7 +8431,7 @@
             </a:pPr>
             <a:r>
               <a:rPr lang="en-US" sz="3200" dirty="0" smtClean="0"/>
-              <a:t>Use Karma to improve productivity.</a:t>
+              <a:t>Introduction to Jasmine.</a:t>
             </a:r>
           </a:p>
           <a:p>
@@ -7900,8 +8441,33 @@
             </a:pPr>
             <a:r>
               <a:rPr lang="en-US" sz="3200" dirty="0" smtClean="0"/>
-              <a:t>Questions?</a:t>
-            </a:r>
+              <a:t>Use Jasmine to mock ajax and long running functions</a:t>
+            </a:r>
+          </a:p>
+          <a:p>
+            <a:pPr marL="342900" indent="-342900" algn="l">
+              <a:buFont typeface="Arial" panose="020B0604020202020204" pitchFamily="34" charset="0"/>
+              <a:buChar char="•"/>
+            </a:pPr>
+            <a:r>
+              <a:rPr lang="en-US" sz="3200" dirty="0" smtClean="0"/>
+              <a:t>Use Karma to improve productivity.</a:t>
+            </a:r>
+          </a:p>
+          <a:p>
+            <a:pPr marL="342900" indent="-342900" algn="l">
+              <a:buFont typeface="Arial" panose="020B0604020202020204" pitchFamily="34" charset="0"/>
+              <a:buChar char="•"/>
+            </a:pPr>
+            <a:r>
+              <a:rPr lang="en-US" sz="3200" dirty="0" smtClean="0"/>
+              <a:t>Questions </a:t>
+            </a:r>
+            <a:r>
+              <a:rPr lang="en-US" sz="3200" smtClean="0"/>
+              <a:t>or comments?</a:t>
+            </a:r>
+            <a:endParaRPr lang="en-US" sz="3200" dirty="0" smtClean="0"/>
           </a:p>
           <a:p>
             <a:pPr marL="342900" indent="-342900" algn="l">
@@ -7988,7 +8554,7 @@
           <a:p>
             <a:fld id="{216C5678-EE20-4FA5-88E2-6E0BD67A2E26}" type="datetime1">
               <a:rPr lang="en-US" smtClean="0"/>
-              <a:t>6/20/2016</a:t>
+              <a:t>6/24/2016</a:t>
             </a:fld>
             <a:endParaRPr lang="en-US" dirty="0"/>
           </a:p>
@@ -8085,11 +8651,7 @@
             </a:r>
             <a:r>
               <a:rPr lang="en-US" dirty="0" smtClean="0"/>
-              <a:t> as Junit is to </a:t>
-            </a:r>
-            <a:r>
-              <a:rPr lang="en-US" dirty="0" smtClean="0"/>
-              <a:t>Java or </a:t>
+              <a:t> as Junit is to Java or </a:t>
             </a:r>
             <a:r>
               <a:rPr lang="en-US" dirty="0" err="1" smtClean="0"/>
@@ -8099,7 +8661,6 @@
               <a:rPr lang="en-US" dirty="0" smtClean="0"/>
               <a:t> is to C#.</a:t>
             </a:r>
-            <a:endParaRPr lang="en-US" dirty="0" smtClean="0"/>
           </a:p>
           <a:p>
             <a:pPr marL="342900" indent="-342900" algn="l">
@@ -8231,7 +8792,7 @@
           <a:p>
             <a:fld id="{216C5678-EE20-4FA5-88E2-6E0BD67A2E26}" type="datetime1">
               <a:rPr lang="en-US" smtClean="0"/>
-              <a:t>6/20/2016</a:t>
+              <a:t>6/24/2016</a:t>
             </a:fld>
             <a:endParaRPr lang="en-US" dirty="0"/>
           </a:p>
@@ -8452,7 +9013,7 @@
           <a:p>
             <a:fld id="{216C5678-EE20-4FA5-88E2-6E0BD67A2E26}" type="datetime1">
               <a:rPr lang="en-US" smtClean="0"/>
-              <a:t>6/20/2016</a:t>
+              <a:t>6/24/2016</a:t>
             </a:fld>
             <a:endParaRPr lang="en-US" dirty="0"/>
           </a:p>
@@ -8741,7 +9302,7 @@
           <a:p>
             <a:fld id="{216C5678-EE20-4FA5-88E2-6E0BD67A2E26}" type="datetime1">
               <a:rPr lang="en-US" smtClean="0"/>
-              <a:t>6/20/2016</a:t>
+              <a:t>6/24/2016</a:t>
             </a:fld>
             <a:endParaRPr lang="en-US" dirty="0"/>
           </a:p>
@@ -9163,7 +9724,7 @@
           <a:p>
             <a:fld id="{216C5678-EE20-4FA5-88E2-6E0BD67A2E26}" type="datetime1">
               <a:rPr lang="en-US" smtClean="0"/>
-              <a:t>6/20/2016</a:t>
+              <a:t>6/24/2016</a:t>
             </a:fld>
             <a:endParaRPr lang="en-US" dirty="0"/>
           </a:p>
@@ -10044,7 +10605,7 @@
           <a:p>
             <a:fld id="{216C5678-EE20-4FA5-88E2-6E0BD67A2E26}" type="datetime1">
               <a:rPr lang="en-US" smtClean="0"/>
-              <a:t>6/20/2016</a:t>
+              <a:t>6/24/2016</a:t>
             </a:fld>
             <a:endParaRPr lang="en-US" dirty="0"/>
           </a:p>
@@ -10447,7 +11008,7 @@
           <a:p>
             <a:fld id="{216C5678-EE20-4FA5-88E2-6E0BD67A2E26}" type="datetime1">
               <a:rPr lang="en-US" smtClean="0"/>
-              <a:t>6/20/2016</a:t>
+              <a:t>6/24/2016</a:t>
             </a:fld>
             <a:endParaRPr lang="en-US" dirty="0"/>
           </a:p>
